--- a/Model Uncertainty sharing.pptx
+++ b/Model Uncertainty sharing.pptx
@@ -5,6 +5,9 @@
     <p:sldMasterId id="2147483690" r:id="rId1"/>
     <p:sldMasterId id="2147483762" r:id="rId2"/>
   </p:sldMasterIdLst>
+  <p:notesMasterIdLst>
+    <p:notesMasterId r:id="rId13"/>
+  </p:notesMasterIdLst>
   <p:sldIdLst>
     <p:sldId id="256" r:id="rId3"/>
     <p:sldId id="260" r:id="rId4"/>
@@ -122,6 +125,356 @@
 </p:presentation>
 </file>
 
+<file path=ppt/notesMasters/notesMaster1.xml><?xml version="1.0" encoding="utf-8"?>
+<p:notesMaster xmlns:a="http://schemas.openxmlformats.org/drawingml/2006/main" xmlns:r="http://schemas.openxmlformats.org/officeDocument/2006/relationships" xmlns:p="http://schemas.openxmlformats.org/presentationml/2006/main">
+  <p:cSld>
+    <p:bg>
+      <p:bgRef idx="1001">
+        <a:schemeClr val="bg1"/>
+      </p:bgRef>
+    </p:bg>
+    <p:spTree>
+      <p:nvGrpSpPr>
+        <p:cNvPr id="1" name=""/>
+        <p:cNvGrpSpPr/>
+        <p:nvPr/>
+      </p:nvGrpSpPr>
+      <p:grpSpPr>
+        <a:xfrm>
+          <a:off x="0" y="0"/>
+          <a:ext cx="0" cy="0"/>
+          <a:chOff x="0" y="0"/>
+          <a:chExt cx="0" cy="0"/>
+        </a:xfrm>
+      </p:grpSpPr>
+      <p:sp>
+        <p:nvSpPr>
+          <p:cNvPr id="2" name="頁首版面配置區 1"/>
+          <p:cNvSpPr>
+            <a:spLocks noGrp="1"/>
+          </p:cNvSpPr>
+          <p:nvPr>
+            <p:ph type="hdr" sz="quarter"/>
+          </p:nvPr>
+        </p:nvSpPr>
+        <p:spPr>
+          <a:xfrm>
+            <a:off x="0" y="0"/>
+            <a:ext cx="2971800" cy="458788"/>
+          </a:xfrm>
+          <a:prstGeom prst="rect">
+            <a:avLst/>
+          </a:prstGeom>
+        </p:spPr>
+        <p:txBody>
+          <a:bodyPr vert="horz" lIns="91440" tIns="45720" rIns="91440" bIns="45720" rtlCol="0"/>
+          <a:lstStyle>
+            <a:lvl1pPr algn="l">
+              <a:defRPr sz="1200"/>
+            </a:lvl1pPr>
+          </a:lstStyle>
+          <a:p>
+            <a:endParaRPr lang="en-HK"/>
+          </a:p>
+        </p:txBody>
+      </p:sp>
+      <p:sp>
+        <p:nvSpPr>
+          <p:cNvPr id="3" name="日期版面配置區 2"/>
+          <p:cNvSpPr>
+            <a:spLocks noGrp="1"/>
+          </p:cNvSpPr>
+          <p:nvPr>
+            <p:ph type="dt" idx="1"/>
+          </p:nvPr>
+        </p:nvSpPr>
+        <p:spPr>
+          <a:xfrm>
+            <a:off x="3884613" y="0"/>
+            <a:ext cx="2971800" cy="458788"/>
+          </a:xfrm>
+          <a:prstGeom prst="rect">
+            <a:avLst/>
+          </a:prstGeom>
+        </p:spPr>
+        <p:txBody>
+          <a:bodyPr vert="horz" lIns="91440" tIns="45720" rIns="91440" bIns="45720" rtlCol="0"/>
+          <a:lstStyle>
+            <a:lvl1pPr algn="r">
+              <a:defRPr sz="1200"/>
+            </a:lvl1pPr>
+          </a:lstStyle>
+          <a:p>
+            <a:fld id="{7BC7986F-721D-4EDF-A06D-42C28A98A046}" type="datetimeFigureOut">
+              <a:rPr lang="en-HK" smtClean="0"/>
+              <a:t>26/12/2018</a:t>
+            </a:fld>
+            <a:endParaRPr lang="en-HK"/>
+          </a:p>
+        </p:txBody>
+      </p:sp>
+      <p:sp>
+        <p:nvSpPr>
+          <p:cNvPr id="4" name="投影片影像版面配置區 3"/>
+          <p:cNvSpPr>
+            <a:spLocks noGrp="1" noRot="1" noChangeAspect="1"/>
+          </p:cNvSpPr>
+          <p:nvPr>
+            <p:ph type="sldImg" idx="2"/>
+          </p:nvPr>
+        </p:nvSpPr>
+        <p:spPr>
+          <a:xfrm>
+            <a:off x="685800" y="1143000"/>
+            <a:ext cx="5486400" cy="3086100"/>
+          </a:xfrm>
+          <a:prstGeom prst="rect">
+            <a:avLst/>
+          </a:prstGeom>
+          <a:noFill/>
+          <a:ln w="12700">
+            <a:solidFill>
+              <a:prstClr val="black"/>
+            </a:solidFill>
+          </a:ln>
+        </p:spPr>
+        <p:txBody>
+          <a:bodyPr vert="horz" lIns="91440" tIns="45720" rIns="91440" bIns="45720" rtlCol="0" anchor="ctr"/>
+          <a:lstStyle/>
+          <a:p>
+            <a:endParaRPr lang="en-HK"/>
+          </a:p>
+        </p:txBody>
+      </p:sp>
+      <p:sp>
+        <p:nvSpPr>
+          <p:cNvPr id="5" name="備忘稿版面配置區 4"/>
+          <p:cNvSpPr>
+            <a:spLocks noGrp="1"/>
+          </p:cNvSpPr>
+          <p:nvPr>
+            <p:ph type="body" sz="quarter" idx="3"/>
+          </p:nvPr>
+        </p:nvSpPr>
+        <p:spPr>
+          <a:xfrm>
+            <a:off x="685800" y="4400550"/>
+            <a:ext cx="5486400" cy="3600450"/>
+          </a:xfrm>
+          <a:prstGeom prst="rect">
+            <a:avLst/>
+          </a:prstGeom>
+        </p:spPr>
+        <p:txBody>
+          <a:bodyPr vert="horz" lIns="91440" tIns="45720" rIns="91440" bIns="45720" rtlCol="0"/>
+          <a:lstStyle/>
+          <a:p>
+            <a:pPr lvl="0"/>
+            <a:r>
+              <a:rPr lang="zh-TW" altLang="en-US"/>
+              <a:t>編輯母片文字樣式</a:t>
+            </a:r>
+          </a:p>
+          <a:p>
+            <a:pPr lvl="1"/>
+            <a:r>
+              <a:rPr lang="zh-TW" altLang="en-US"/>
+              <a:t>第二層</a:t>
+            </a:r>
+          </a:p>
+          <a:p>
+            <a:pPr lvl="2"/>
+            <a:r>
+              <a:rPr lang="zh-TW" altLang="en-US"/>
+              <a:t>第三層</a:t>
+            </a:r>
+          </a:p>
+          <a:p>
+            <a:pPr lvl="3"/>
+            <a:r>
+              <a:rPr lang="zh-TW" altLang="en-US"/>
+              <a:t>第四層</a:t>
+            </a:r>
+          </a:p>
+          <a:p>
+            <a:pPr lvl="4"/>
+            <a:r>
+              <a:rPr lang="zh-TW" altLang="en-US"/>
+              <a:t>第五層</a:t>
+            </a:r>
+            <a:endParaRPr lang="en-HK"/>
+          </a:p>
+        </p:txBody>
+      </p:sp>
+      <p:sp>
+        <p:nvSpPr>
+          <p:cNvPr id="6" name="頁尾版面配置區 5"/>
+          <p:cNvSpPr>
+            <a:spLocks noGrp="1"/>
+          </p:cNvSpPr>
+          <p:nvPr>
+            <p:ph type="ftr" sz="quarter" idx="4"/>
+          </p:nvPr>
+        </p:nvSpPr>
+        <p:spPr>
+          <a:xfrm>
+            <a:off x="0" y="8685213"/>
+            <a:ext cx="2971800" cy="458787"/>
+          </a:xfrm>
+          <a:prstGeom prst="rect">
+            <a:avLst/>
+          </a:prstGeom>
+        </p:spPr>
+        <p:txBody>
+          <a:bodyPr vert="horz" lIns="91440" tIns="45720" rIns="91440" bIns="45720" rtlCol="0" anchor="b"/>
+          <a:lstStyle>
+            <a:lvl1pPr algn="l">
+              <a:defRPr sz="1200"/>
+            </a:lvl1pPr>
+          </a:lstStyle>
+          <a:p>
+            <a:endParaRPr lang="en-HK"/>
+          </a:p>
+        </p:txBody>
+      </p:sp>
+      <p:sp>
+        <p:nvSpPr>
+          <p:cNvPr id="7" name="投影片編號版面配置區 6"/>
+          <p:cNvSpPr>
+            <a:spLocks noGrp="1"/>
+          </p:cNvSpPr>
+          <p:nvPr>
+            <p:ph type="sldNum" sz="quarter" idx="5"/>
+          </p:nvPr>
+        </p:nvSpPr>
+        <p:spPr>
+          <a:xfrm>
+            <a:off x="3884613" y="8685213"/>
+            <a:ext cx="2971800" cy="458787"/>
+          </a:xfrm>
+          <a:prstGeom prst="rect">
+            <a:avLst/>
+          </a:prstGeom>
+        </p:spPr>
+        <p:txBody>
+          <a:bodyPr vert="horz" lIns="91440" tIns="45720" rIns="91440" bIns="45720" rtlCol="0" anchor="b"/>
+          <a:lstStyle>
+            <a:lvl1pPr algn="r">
+              <a:defRPr sz="1200"/>
+            </a:lvl1pPr>
+          </a:lstStyle>
+          <a:p>
+            <a:fld id="{06300F45-B827-47C4-8FC9-8F07F0FCF0A3}" type="slidenum">
+              <a:rPr lang="en-HK" smtClean="0"/>
+              <a:t>‹#›</a:t>
+            </a:fld>
+            <a:endParaRPr lang="en-HK"/>
+          </a:p>
+        </p:txBody>
+      </p:sp>
+    </p:spTree>
+    <p:extLst>
+      <p:ext uri="{BB962C8B-B14F-4D97-AF65-F5344CB8AC3E}">
+        <p14:creationId xmlns:p14="http://schemas.microsoft.com/office/powerpoint/2010/main" val="2250609149"/>
+      </p:ext>
+    </p:extLst>
+  </p:cSld>
+  <p:clrMap bg1="lt1" tx1="dk1" bg2="lt2" tx2="dk2" accent1="accent1" accent2="accent2" accent3="accent3" accent4="accent4" accent5="accent5" accent6="accent6" hlink="hlink" folHlink="folHlink"/>
+  <p:notesStyle>
+    <a:lvl1pPr marL="0" algn="l" defTabSz="914400" rtl="0" eaLnBrk="1" latinLnBrk="0" hangingPunct="1">
+      <a:defRPr sz="1200" kern="1200">
+        <a:solidFill>
+          <a:schemeClr val="tx1"/>
+        </a:solidFill>
+        <a:latin typeface="+mn-lt"/>
+        <a:ea typeface="+mn-ea"/>
+        <a:cs typeface="+mn-cs"/>
+      </a:defRPr>
+    </a:lvl1pPr>
+    <a:lvl2pPr marL="457200" algn="l" defTabSz="914400" rtl="0" eaLnBrk="1" latinLnBrk="0" hangingPunct="1">
+      <a:defRPr sz="1200" kern="1200">
+        <a:solidFill>
+          <a:schemeClr val="tx1"/>
+        </a:solidFill>
+        <a:latin typeface="+mn-lt"/>
+        <a:ea typeface="+mn-ea"/>
+        <a:cs typeface="+mn-cs"/>
+      </a:defRPr>
+    </a:lvl2pPr>
+    <a:lvl3pPr marL="914400" algn="l" defTabSz="914400" rtl="0" eaLnBrk="1" latinLnBrk="0" hangingPunct="1">
+      <a:defRPr sz="1200" kern="1200">
+        <a:solidFill>
+          <a:schemeClr val="tx1"/>
+        </a:solidFill>
+        <a:latin typeface="+mn-lt"/>
+        <a:ea typeface="+mn-ea"/>
+        <a:cs typeface="+mn-cs"/>
+      </a:defRPr>
+    </a:lvl3pPr>
+    <a:lvl4pPr marL="1371600" algn="l" defTabSz="914400" rtl="0" eaLnBrk="1" latinLnBrk="0" hangingPunct="1">
+      <a:defRPr sz="1200" kern="1200">
+        <a:solidFill>
+          <a:schemeClr val="tx1"/>
+        </a:solidFill>
+        <a:latin typeface="+mn-lt"/>
+        <a:ea typeface="+mn-ea"/>
+        <a:cs typeface="+mn-cs"/>
+      </a:defRPr>
+    </a:lvl4pPr>
+    <a:lvl5pPr marL="1828800" algn="l" defTabSz="914400" rtl="0" eaLnBrk="1" latinLnBrk="0" hangingPunct="1">
+      <a:defRPr sz="1200" kern="1200">
+        <a:solidFill>
+          <a:schemeClr val="tx1"/>
+        </a:solidFill>
+        <a:latin typeface="+mn-lt"/>
+        <a:ea typeface="+mn-ea"/>
+        <a:cs typeface="+mn-cs"/>
+      </a:defRPr>
+    </a:lvl5pPr>
+    <a:lvl6pPr marL="2286000" algn="l" defTabSz="914400" rtl="0" eaLnBrk="1" latinLnBrk="0" hangingPunct="1">
+      <a:defRPr sz="1200" kern="1200">
+        <a:solidFill>
+          <a:schemeClr val="tx1"/>
+        </a:solidFill>
+        <a:latin typeface="+mn-lt"/>
+        <a:ea typeface="+mn-ea"/>
+        <a:cs typeface="+mn-cs"/>
+      </a:defRPr>
+    </a:lvl6pPr>
+    <a:lvl7pPr marL="2743200" algn="l" defTabSz="914400" rtl="0" eaLnBrk="1" latinLnBrk="0" hangingPunct="1">
+      <a:defRPr sz="1200" kern="1200">
+        <a:solidFill>
+          <a:schemeClr val="tx1"/>
+        </a:solidFill>
+        <a:latin typeface="+mn-lt"/>
+        <a:ea typeface="+mn-ea"/>
+        <a:cs typeface="+mn-cs"/>
+      </a:defRPr>
+    </a:lvl7pPr>
+    <a:lvl8pPr marL="3200400" algn="l" defTabSz="914400" rtl="0" eaLnBrk="1" latinLnBrk="0" hangingPunct="1">
+      <a:defRPr sz="1200" kern="1200">
+        <a:solidFill>
+          <a:schemeClr val="tx1"/>
+        </a:solidFill>
+        <a:latin typeface="+mn-lt"/>
+        <a:ea typeface="+mn-ea"/>
+        <a:cs typeface="+mn-cs"/>
+      </a:defRPr>
+    </a:lvl8pPr>
+    <a:lvl9pPr marL="3657600" algn="l" defTabSz="914400" rtl="0" eaLnBrk="1" latinLnBrk="0" hangingPunct="1">
+      <a:defRPr sz="1200" kern="1200">
+        <a:solidFill>
+          <a:schemeClr val="tx1"/>
+        </a:solidFill>
+        <a:latin typeface="+mn-lt"/>
+        <a:ea typeface="+mn-ea"/>
+        <a:cs typeface="+mn-cs"/>
+      </a:defRPr>
+    </a:lvl9pPr>
+  </p:notesStyle>
+</p:notesMaster>
+</file>
+
 <file path=ppt/slideLayouts/slideLayout1.xml><?xml version="1.0" encoding="utf-8"?>
 <p:sldLayout xmlns:a="http://schemas.openxmlformats.org/drawingml/2006/main" xmlns:r="http://schemas.openxmlformats.org/officeDocument/2006/relationships" xmlns:p="http://schemas.openxmlformats.org/presentationml/2006/main" type="title" preserve="1">
   <p:cSld name="標題投影片">
@@ -262,7 +615,7 @@
           <a:bodyPr/>
           <a:lstStyle/>
           <a:p>
-            <a:fld id="{D5624122-D9A3-4182-A587-1BF61F6AA667}" type="datetimeFigureOut">
+            <a:fld id="{22755E5F-019C-47B2-AB3D-4F397A12006E}" type="datetime1">
               <a:rPr lang="en-HK" smtClean="0"/>
               <a:t>26/12/2018</a:t>
             </a:fld>
@@ -285,7 +638,10 @@
           <a:bodyPr/>
           <a:lstStyle/>
           <a:p>
-            <a:endParaRPr lang="en-HK"/>
+            <a:r>
+              <a:rPr lang="en-HK"/>
+              <a:t>Model Uncertainty sharing - Tom Li</a:t>
+            </a:r>
           </a:p>
         </p:txBody>
       </p:sp>
@@ -432,7 +788,7 @@
           <a:bodyPr/>
           <a:lstStyle/>
           <a:p>
-            <a:fld id="{D5624122-D9A3-4182-A587-1BF61F6AA667}" type="datetimeFigureOut">
+            <a:fld id="{590C6290-8F7A-46BF-9D79-5141B7DFDBA6}" type="datetime1">
               <a:rPr lang="en-HK" smtClean="0"/>
               <a:t>26/12/2018</a:t>
             </a:fld>
@@ -455,7 +811,10 @@
           <a:bodyPr/>
           <a:lstStyle/>
           <a:p>
-            <a:endParaRPr lang="en-HK"/>
+            <a:r>
+              <a:rPr lang="en-HK"/>
+              <a:t>Model Uncertainty sharing - Tom Li</a:t>
+            </a:r>
           </a:p>
         </p:txBody>
       </p:sp>
@@ -612,7 +971,7 @@
           <a:bodyPr/>
           <a:lstStyle/>
           <a:p>
-            <a:fld id="{D5624122-D9A3-4182-A587-1BF61F6AA667}" type="datetimeFigureOut">
+            <a:fld id="{58ED9B6D-0CD5-4DDD-9292-10166DD8212A}" type="datetime1">
               <a:rPr lang="en-HK" smtClean="0"/>
               <a:t>26/12/2018</a:t>
             </a:fld>
@@ -635,7 +994,10 @@
           <a:bodyPr/>
           <a:lstStyle/>
           <a:p>
-            <a:endParaRPr lang="en-HK"/>
+            <a:r>
+              <a:rPr lang="en-HK"/>
+              <a:t>Model Uncertainty sharing - Tom Li</a:t>
+            </a:r>
           </a:p>
         </p:txBody>
       </p:sp>
@@ -899,7 +1261,7 @@
           <a:bodyPr/>
           <a:lstStyle/>
           <a:p>
-            <a:fld id="{D5624122-D9A3-4182-A587-1BF61F6AA667}" type="datetimeFigureOut">
+            <a:fld id="{1A8CCCB1-491B-4F3E-A44F-D351F34A9591}" type="datetime1">
               <a:rPr lang="en-HK" smtClean="0"/>
               <a:t>26/12/2018</a:t>
             </a:fld>
@@ -922,7 +1284,10 @@
           <a:bodyPr/>
           <a:lstStyle/>
           <a:p>
-            <a:endParaRPr lang="en-HK"/>
+            <a:r>
+              <a:rPr lang="en-HK"/>
+              <a:t>Model Uncertainty sharing - Tom Li</a:t>
+            </a:r>
           </a:p>
         </p:txBody>
       </p:sp>
@@ -1107,7 +1472,7 @@
           <a:bodyPr/>
           <a:lstStyle/>
           <a:p>
-            <a:fld id="{D5624122-D9A3-4182-A587-1BF61F6AA667}" type="datetimeFigureOut">
+            <a:fld id="{1B574644-0698-46AC-9807-15748B72E825}" type="datetime1">
               <a:rPr lang="en-HK" smtClean="0"/>
               <a:t>26/12/2018</a:t>
             </a:fld>
@@ -1130,7 +1495,10 @@
           <a:bodyPr/>
           <a:lstStyle/>
           <a:p>
-            <a:endParaRPr lang="en-HK"/>
+            <a:r>
+              <a:rPr lang="en-HK"/>
+              <a:t>Model Uncertainty sharing - Tom Li</a:t>
+            </a:r>
           </a:p>
         </p:txBody>
       </p:sp>
@@ -1450,7 +1818,7 @@
           <a:bodyPr/>
           <a:lstStyle/>
           <a:p>
-            <a:fld id="{D5624122-D9A3-4182-A587-1BF61F6AA667}" type="datetimeFigureOut">
+            <a:fld id="{285C58B1-24E2-4345-BDB6-77A361868727}" type="datetime1">
               <a:rPr lang="en-HK" smtClean="0"/>
               <a:t>26/12/2018</a:t>
             </a:fld>
@@ -1473,7 +1841,10 @@
           <a:bodyPr/>
           <a:lstStyle/>
           <a:p>
-            <a:endParaRPr lang="en-HK"/>
+            <a:r>
+              <a:rPr lang="en-HK"/>
+              <a:t>Model Uncertainty sharing - Tom Li</a:t>
+            </a:r>
           </a:p>
         </p:txBody>
       </p:sp>
@@ -1725,7 +2096,7 @@
           <a:bodyPr/>
           <a:lstStyle/>
           <a:p>
-            <a:fld id="{D5624122-D9A3-4182-A587-1BF61F6AA667}" type="datetimeFigureOut">
+            <a:fld id="{38DA1F52-89DC-4BA4-A759-C924D95AEB01}" type="datetime1">
               <a:rPr lang="en-HK" smtClean="0"/>
               <a:t>26/12/2018</a:t>
             </a:fld>
@@ -1748,7 +2119,10 @@
           <a:bodyPr/>
           <a:lstStyle/>
           <a:p>
-            <a:endParaRPr lang="en-HK"/>
+            <a:r>
+              <a:rPr lang="en-HK"/>
+              <a:t>Model Uncertainty sharing - Tom Li</a:t>
+            </a:r>
           </a:p>
         </p:txBody>
       </p:sp>
@@ -2104,7 +2478,7 @@
           <a:bodyPr/>
           <a:lstStyle/>
           <a:p>
-            <a:fld id="{D5624122-D9A3-4182-A587-1BF61F6AA667}" type="datetimeFigureOut">
+            <a:fld id="{F4E75A24-3812-42A0-B716-5EA42C0984DC}" type="datetime1">
               <a:rPr lang="en-HK" smtClean="0"/>
               <a:t>26/12/2018</a:t>
             </a:fld>
@@ -2127,7 +2501,10 @@
           <a:bodyPr/>
           <a:lstStyle/>
           <a:p>
-            <a:endParaRPr lang="en-HK"/>
+            <a:r>
+              <a:rPr lang="en-HK"/>
+              <a:t>Model Uncertainty sharing - Tom Li</a:t>
+            </a:r>
           </a:p>
         </p:txBody>
       </p:sp>
@@ -2222,7 +2599,7 @@
           <a:bodyPr/>
           <a:lstStyle/>
           <a:p>
-            <a:fld id="{D5624122-D9A3-4182-A587-1BF61F6AA667}" type="datetimeFigureOut">
+            <a:fld id="{89B7080E-1AC3-43D5-B08E-692FC42A1B13}" type="datetime1">
               <a:rPr lang="en-HK" smtClean="0"/>
               <a:t>26/12/2018</a:t>
             </a:fld>
@@ -2245,7 +2622,10 @@
           <a:bodyPr/>
           <a:lstStyle/>
           <a:p>
-            <a:endParaRPr lang="en-HK"/>
+            <a:r>
+              <a:rPr lang="en-HK"/>
+              <a:t>Model Uncertainty sharing - Tom Li</a:t>
+            </a:r>
           </a:p>
         </p:txBody>
       </p:sp>
@@ -2393,7 +2773,7 @@
           <a:bodyPr/>
           <a:lstStyle/>
           <a:p>
-            <a:fld id="{D5624122-D9A3-4182-A587-1BF61F6AA667}" type="datetimeFigureOut">
+            <a:fld id="{99EBC1D4-5438-4D71-A3C6-E9FAAB70C57F}" type="datetime1">
               <a:rPr lang="en-HK" smtClean="0"/>
               <a:t>26/12/2018</a:t>
             </a:fld>
@@ -2424,7 +2804,10 @@
             </a:lvl1pPr>
           </a:lstStyle>
           <a:p>
-            <a:endParaRPr lang="en-HK"/>
+            <a:r>
+              <a:rPr lang="en-HK"/>
+              <a:t>Model Uncertainty sharing - Tom Li</a:t>
+            </a:r>
           </a:p>
         </p:txBody>
       </p:sp>
@@ -2747,7 +3130,7 @@
             </a:lvl1pPr>
           </a:lstStyle>
           <a:p>
-            <a:fld id="{D5624122-D9A3-4182-A587-1BF61F6AA667}" type="datetimeFigureOut">
+            <a:fld id="{C3A1EDB6-6F24-4AF8-BD0B-1C8DAF8667C3}" type="datetime1">
               <a:rPr lang="en-HK" smtClean="0"/>
               <a:t>26/12/2018</a:t>
             </a:fld>
@@ -2783,7 +3166,10 @@
             </a:lvl1pPr>
           </a:lstStyle>
           <a:p>
-            <a:endParaRPr lang="en-HK"/>
+            <a:r>
+              <a:rPr lang="en-HK"/>
+              <a:t>Model Uncertainty sharing - Tom Li</a:t>
+            </a:r>
           </a:p>
         </p:txBody>
       </p:sp>
@@ -2938,7 +3324,7 @@
           <a:bodyPr/>
           <a:lstStyle/>
           <a:p>
-            <a:fld id="{D5624122-D9A3-4182-A587-1BF61F6AA667}" type="datetimeFigureOut">
+            <a:fld id="{41AFCB91-0B1F-4274-811C-9A9CED63A79F}" type="datetime1">
               <a:rPr lang="en-HK" smtClean="0"/>
               <a:t>26/12/2018</a:t>
             </a:fld>
@@ -2961,7 +3347,10 @@
           <a:bodyPr/>
           <a:lstStyle/>
           <a:p>
-            <a:endParaRPr lang="en-HK"/>
+            <a:r>
+              <a:rPr lang="en-HK"/>
+              <a:t>Model Uncertainty sharing - Tom Li</a:t>
+            </a:r>
           </a:p>
         </p:txBody>
       </p:sp>
@@ -3294,7 +3683,7 @@
           <a:bodyPr/>
           <a:lstStyle/>
           <a:p>
-            <a:fld id="{D5624122-D9A3-4182-A587-1BF61F6AA667}" type="datetimeFigureOut">
+            <a:fld id="{255B4350-5240-4BD9-A4A0-1047D20204EF}" type="datetime1">
               <a:rPr lang="en-HK" smtClean="0"/>
               <a:t>26/12/2018</a:t>
             </a:fld>
@@ -3317,7 +3706,10 @@
           <a:bodyPr/>
           <a:lstStyle/>
           <a:p>
-            <a:endParaRPr lang="en-HK"/>
+            <a:r>
+              <a:rPr lang="en-HK"/>
+              <a:t>Model Uncertainty sharing - Tom Li</a:t>
+            </a:r>
           </a:p>
         </p:txBody>
       </p:sp>
@@ -3464,7 +3856,7 @@
           <a:bodyPr/>
           <a:lstStyle/>
           <a:p>
-            <a:fld id="{D5624122-D9A3-4182-A587-1BF61F6AA667}" type="datetimeFigureOut">
+            <a:fld id="{81DB85EE-4296-4097-8324-FF8FD1BCE5F7}" type="datetime1">
               <a:rPr lang="en-HK" smtClean="0"/>
               <a:t>26/12/2018</a:t>
             </a:fld>
@@ -3487,7 +3879,10 @@
           <a:bodyPr/>
           <a:lstStyle/>
           <a:p>
-            <a:endParaRPr lang="en-HK"/>
+            <a:r>
+              <a:rPr lang="en-HK"/>
+              <a:t>Model Uncertainty sharing - Tom Li</a:t>
+            </a:r>
           </a:p>
         </p:txBody>
       </p:sp>
@@ -3720,7 +4115,7 @@
           <a:bodyPr/>
           <a:lstStyle/>
           <a:p>
-            <a:fld id="{D5624122-D9A3-4182-A587-1BF61F6AA667}" type="datetimeFigureOut">
+            <a:fld id="{D324DA22-5704-4B1F-88DB-DA2C89CE078B}" type="datetime1">
               <a:rPr lang="en-HK" smtClean="0"/>
               <a:t>26/12/2018</a:t>
             </a:fld>
@@ -3743,7 +4138,10 @@
           <a:bodyPr/>
           <a:lstStyle/>
           <a:p>
-            <a:endParaRPr lang="en-HK"/>
+            <a:r>
+              <a:rPr lang="en-HK"/>
+              <a:t>Model Uncertainty sharing - Tom Li</a:t>
+            </a:r>
           </a:p>
         </p:txBody>
       </p:sp>
@@ -3971,7 +4369,7 @@
           <a:bodyPr/>
           <a:lstStyle/>
           <a:p>
-            <a:fld id="{D5624122-D9A3-4182-A587-1BF61F6AA667}" type="datetimeFigureOut">
+            <a:fld id="{FFF936C5-A8C2-454D-A421-1EF5102C323E}" type="datetime1">
               <a:rPr lang="en-HK" smtClean="0"/>
               <a:t>26/12/2018</a:t>
             </a:fld>
@@ -3994,7 +4392,10 @@
           <a:bodyPr/>
           <a:lstStyle/>
           <a:p>
-            <a:endParaRPr lang="en-HK"/>
+            <a:r>
+              <a:rPr lang="en-HK"/>
+              <a:t>Model Uncertainty sharing - Tom Li</a:t>
+            </a:r>
           </a:p>
         </p:txBody>
       </p:sp>
@@ -4203,7 +4604,7 @@
           <a:bodyPr/>
           <a:lstStyle/>
           <a:p>
-            <a:fld id="{D5624122-D9A3-4182-A587-1BF61F6AA667}" type="datetimeFigureOut">
+            <a:fld id="{AB79E72E-FCEE-4152-91FC-4FAE9726FD21}" type="datetime1">
               <a:rPr lang="en-HK" smtClean="0"/>
               <a:t>26/12/2018</a:t>
             </a:fld>
@@ -4226,7 +4627,10 @@
           <a:bodyPr/>
           <a:lstStyle/>
           <a:p>
-            <a:endParaRPr lang="en-HK"/>
+            <a:r>
+              <a:rPr lang="en-HK"/>
+              <a:t>Model Uncertainty sharing - Tom Li</a:t>
+            </a:r>
           </a:p>
         </p:txBody>
       </p:sp>
@@ -4550,7 +4954,7 @@
           <a:bodyPr/>
           <a:lstStyle/>
           <a:p>
-            <a:fld id="{D5624122-D9A3-4182-A587-1BF61F6AA667}" type="datetimeFigureOut">
+            <a:fld id="{8A80EE7C-95FD-4B8E-84B0-7711B7B4B53A}" type="datetime1">
               <a:rPr lang="en-HK" smtClean="0"/>
               <a:t>26/12/2018</a:t>
             </a:fld>
@@ -4573,7 +4977,10 @@
           <a:bodyPr/>
           <a:lstStyle/>
           <a:p>
-            <a:endParaRPr lang="en-HK"/>
+            <a:r>
+              <a:rPr lang="en-HK"/>
+              <a:t>Model Uncertainty sharing - Tom Li</a:t>
+            </a:r>
           </a:p>
         </p:txBody>
       </p:sp>
@@ -4668,7 +5075,7 @@
           <a:bodyPr/>
           <a:lstStyle/>
           <a:p>
-            <a:fld id="{D5624122-D9A3-4182-A587-1BF61F6AA667}" type="datetimeFigureOut">
+            <a:fld id="{29FC8297-608B-42D4-B538-3C198027FB68}" type="datetime1">
               <a:rPr lang="en-HK" smtClean="0"/>
               <a:t>26/12/2018</a:t>
             </a:fld>
@@ -4691,7 +5098,10 @@
           <a:bodyPr/>
           <a:lstStyle/>
           <a:p>
-            <a:endParaRPr lang="en-HK"/>
+            <a:r>
+              <a:rPr lang="en-HK"/>
+              <a:t>Model Uncertainty sharing - Tom Li</a:t>
+            </a:r>
           </a:p>
         </p:txBody>
       </p:sp>
@@ -4786,7 +5196,7 @@
           <a:bodyPr/>
           <a:lstStyle/>
           <a:p>
-            <a:fld id="{D5624122-D9A3-4182-A587-1BF61F6AA667}" type="datetimeFigureOut">
+            <a:fld id="{91A98973-C70B-43C6-9079-22963FEB780B}" type="datetime1">
               <a:rPr lang="en-HK" smtClean="0"/>
               <a:t>26/12/2018</a:t>
             </a:fld>
@@ -4809,7 +5219,10 @@
           <a:bodyPr/>
           <a:lstStyle/>
           <a:p>
-            <a:endParaRPr lang="en-HK"/>
+            <a:r>
+              <a:rPr lang="en-HK"/>
+              <a:t>Model Uncertainty sharing - Tom Li</a:t>
+            </a:r>
           </a:p>
         </p:txBody>
       </p:sp>
@@ -5070,7 +5483,7 @@
           <a:bodyPr/>
           <a:lstStyle/>
           <a:p>
-            <a:fld id="{D5624122-D9A3-4182-A587-1BF61F6AA667}" type="datetimeFigureOut">
+            <a:fld id="{1A5CFBBA-E6A3-49C0-B627-7A93C9AAB3EC}" type="datetime1">
               <a:rPr lang="en-HK" smtClean="0"/>
               <a:t>26/12/2018</a:t>
             </a:fld>
@@ -5093,7 +5506,10 @@
           <a:bodyPr/>
           <a:lstStyle/>
           <a:p>
-            <a:endParaRPr lang="en-HK"/>
+            <a:r>
+              <a:rPr lang="en-HK"/>
+              <a:t>Model Uncertainty sharing - Tom Li</a:t>
+            </a:r>
           </a:p>
         </p:txBody>
       </p:sp>
@@ -5334,7 +5750,7 @@
           <a:bodyPr/>
           <a:lstStyle/>
           <a:p>
-            <a:fld id="{D5624122-D9A3-4182-A587-1BF61F6AA667}" type="datetimeFigureOut">
+            <a:fld id="{58344E19-CE0F-4A3B-B413-1143668C6429}" type="datetime1">
               <a:rPr lang="en-HK" smtClean="0"/>
               <a:t>26/12/2018</a:t>
             </a:fld>
@@ -5357,7 +5773,10 @@
           <a:bodyPr/>
           <a:lstStyle/>
           <a:p>
-            <a:endParaRPr lang="en-HK"/>
+            <a:r>
+              <a:rPr lang="en-HK"/>
+              <a:t>Model Uncertainty sharing - Tom Li</a:t>
+            </a:r>
           </a:p>
         </p:txBody>
       </p:sp>
@@ -5548,7 +5967,7 @@
             </a:lvl1pPr>
           </a:lstStyle>
           <a:p>
-            <a:fld id="{D5624122-D9A3-4182-A587-1BF61F6AA667}" type="datetimeFigureOut">
+            <a:fld id="{D2C30EE2-2944-48AC-99D6-6C802A54B233}" type="datetime1">
               <a:rPr lang="en-HK" smtClean="0"/>
               <a:t>26/12/2018</a:t>
             </a:fld>
@@ -5590,7 +6009,10 @@
             </a:lvl1pPr>
           </a:lstStyle>
           <a:p>
-            <a:endParaRPr lang="en-HK"/>
+            <a:r>
+              <a:rPr lang="en-HK"/>
+              <a:t>Model Uncertainty sharing - Tom Li</a:t>
+            </a:r>
           </a:p>
         </p:txBody>
       </p:sp>
@@ -5656,6 +6078,7 @@
     <p:sldLayoutId id="2147483700" r:id="rId10"/>
     <p:sldLayoutId id="2147483701" r:id="rId11"/>
   </p:sldLayoutIdLst>
+  <p:hf sldNum="0" hdr="0" dt="0"/>
   <p:txStyles>
     <p:titleStyle>
       <a:lvl1pPr algn="l" defTabSz="914400" rtl="0" eaLnBrk="1" latinLnBrk="0" hangingPunct="1">
@@ -6151,7 +6574,7 @@
             </a:lvl1pPr>
           </a:lstStyle>
           <a:p>
-            <a:fld id="{D5624122-D9A3-4182-A587-1BF61F6AA667}" type="datetimeFigureOut">
+            <a:fld id="{C559BEA5-0E12-46D5-8A76-B2AB6DB15F3A}" type="datetime1">
               <a:rPr lang="en-HK" smtClean="0"/>
               <a:t>26/12/2018</a:t>
             </a:fld>
@@ -6190,7 +6613,10 @@
             </a:lvl1pPr>
           </a:lstStyle>
           <a:p>
-            <a:endParaRPr lang="en-HK"/>
+            <a:r>
+              <a:rPr lang="en-HK"/>
+              <a:t>Model Uncertainty sharing - Tom Li</a:t>
+            </a:r>
           </a:p>
         </p:txBody>
       </p:sp>
@@ -6292,6 +6718,7 @@
     <p:sldLayoutId id="2147483772" r:id="rId10"/>
     <p:sldLayoutId id="2147483773" r:id="rId11"/>
   </p:sldLayoutIdLst>
+  <p:hf sldNum="0" hdr="0" dt="0"/>
   <p:txStyles>
     <p:titleStyle>
       <a:lvl1pPr algn="l" defTabSz="914400" rtl="0" eaLnBrk="1" latinLnBrk="0" hangingPunct="1">
@@ -6740,6 +7167,34 @@
           </a:p>
         </p:txBody>
       </p:sp>
+      <p:sp>
+        <p:nvSpPr>
+          <p:cNvPr id="4" name="頁尾版面配置區 3">
+            <a:extLst>
+              <a:ext uri="{FF2B5EF4-FFF2-40B4-BE49-F238E27FC236}">
+                <a16:creationId xmlns:a16="http://schemas.microsoft.com/office/drawing/2014/main" id="{1C850544-FDD0-4A39-BA69-9E1386F2DECC}"/>
+              </a:ext>
+            </a:extLst>
+          </p:cNvPr>
+          <p:cNvSpPr>
+            <a:spLocks noGrp="1"/>
+          </p:cNvSpPr>
+          <p:nvPr>
+            <p:ph type="ftr" sz="quarter" idx="11"/>
+          </p:nvPr>
+        </p:nvSpPr>
+        <p:spPr/>
+        <p:txBody>
+          <a:bodyPr/>
+          <a:lstStyle/>
+          <a:p>
+            <a:r>
+              <a:rPr lang="en-HK"/>
+              <a:t>Model Uncertainty sharing - Tom Li</a:t>
+            </a:r>
+          </a:p>
+        </p:txBody>
+      </p:sp>
     </p:spTree>
     <p:extLst>
       <p:ext uri="{BB962C8B-B14F-4D97-AF65-F5344CB8AC3E}">
@@ -6860,6 +7315,34 @@
           </a:p>
         </p:txBody>
       </p:sp>
+      <p:sp>
+        <p:nvSpPr>
+          <p:cNvPr id="4" name="頁尾版面配置區 3">
+            <a:extLst>
+              <a:ext uri="{FF2B5EF4-FFF2-40B4-BE49-F238E27FC236}">
+                <a16:creationId xmlns:a16="http://schemas.microsoft.com/office/drawing/2014/main" id="{8DC31E82-9F73-4B0E-84CE-95E8A81BCE66}"/>
+              </a:ext>
+            </a:extLst>
+          </p:cNvPr>
+          <p:cNvSpPr>
+            <a:spLocks noGrp="1"/>
+          </p:cNvSpPr>
+          <p:nvPr>
+            <p:ph type="ftr" sz="quarter" idx="11"/>
+          </p:nvPr>
+        </p:nvSpPr>
+        <p:spPr/>
+        <p:txBody>
+          <a:bodyPr/>
+          <a:lstStyle/>
+          <a:p>
+            <a:r>
+              <a:rPr lang="en-HK"/>
+              <a:t>Model Uncertainty sharing - Tom Li</a:t>
+            </a:r>
+          </a:p>
+        </p:txBody>
+      </p:sp>
     </p:spTree>
     <p:extLst>
       <p:ext uri="{BB962C8B-B14F-4D97-AF65-F5344CB8AC3E}">
@@ -7020,6 +7503,34 @@
               <a:buChar char="•"/>
             </a:pPr>
             <a:endParaRPr lang="en-HK" dirty="0"/>
+          </a:p>
+        </p:txBody>
+      </p:sp>
+      <p:sp>
+        <p:nvSpPr>
+          <p:cNvPr id="4" name="頁尾版面配置區 3">
+            <a:extLst>
+              <a:ext uri="{FF2B5EF4-FFF2-40B4-BE49-F238E27FC236}">
+                <a16:creationId xmlns:a16="http://schemas.microsoft.com/office/drawing/2014/main" id="{98FBF02D-749F-44AA-81DF-254E61EED6D5}"/>
+              </a:ext>
+            </a:extLst>
+          </p:cNvPr>
+          <p:cNvSpPr>
+            <a:spLocks noGrp="1"/>
+          </p:cNvSpPr>
+          <p:nvPr>
+            <p:ph type="ftr" sz="quarter" idx="11"/>
+          </p:nvPr>
+        </p:nvSpPr>
+        <p:spPr/>
+        <p:txBody>
+          <a:bodyPr/>
+          <a:lstStyle/>
+          <a:p>
+            <a:r>
+              <a:rPr lang="en-HK"/>
+              <a:t>Model Uncertainty sharing - Tom Li</a:t>
+            </a:r>
           </a:p>
         </p:txBody>
       </p:sp>
@@ -7479,6 +7990,34 @@
           </a:prstGeom>
         </p:spPr>
       </p:pic>
+      <p:sp>
+        <p:nvSpPr>
+          <p:cNvPr id="4" name="頁尾版面配置區 3">
+            <a:extLst>
+              <a:ext uri="{FF2B5EF4-FFF2-40B4-BE49-F238E27FC236}">
+                <a16:creationId xmlns:a16="http://schemas.microsoft.com/office/drawing/2014/main" id="{013B0680-7EF5-4FA3-9081-E98C527014EE}"/>
+              </a:ext>
+            </a:extLst>
+          </p:cNvPr>
+          <p:cNvSpPr>
+            <a:spLocks noGrp="1"/>
+          </p:cNvSpPr>
+          <p:nvPr>
+            <p:ph type="ftr" sz="quarter" idx="11"/>
+          </p:nvPr>
+        </p:nvSpPr>
+        <p:spPr/>
+        <p:txBody>
+          <a:bodyPr/>
+          <a:lstStyle/>
+          <a:p>
+            <a:r>
+              <a:rPr lang="en-HK"/>
+              <a:t>Model Uncertainty sharing - Tom Li</a:t>
+            </a:r>
+          </a:p>
+        </p:txBody>
+      </p:sp>
     </p:spTree>
     <p:extLst>
       <p:ext uri="{BB962C8B-B14F-4D97-AF65-F5344CB8AC3E}">
@@ -8175,6 +8714,34 @@
           </a:p>
         </p:txBody>
       </p:sp>
+      <p:sp>
+        <p:nvSpPr>
+          <p:cNvPr id="6" name="頁尾版面配置區 5">
+            <a:extLst>
+              <a:ext uri="{FF2B5EF4-FFF2-40B4-BE49-F238E27FC236}">
+                <a16:creationId xmlns:a16="http://schemas.microsoft.com/office/drawing/2014/main" id="{A459B135-873B-422D-8A5C-5318ECE24B3D}"/>
+              </a:ext>
+            </a:extLst>
+          </p:cNvPr>
+          <p:cNvSpPr>
+            <a:spLocks noGrp="1"/>
+          </p:cNvSpPr>
+          <p:nvPr>
+            <p:ph type="ftr" sz="quarter" idx="11"/>
+          </p:nvPr>
+        </p:nvSpPr>
+        <p:spPr/>
+        <p:txBody>
+          <a:bodyPr/>
+          <a:lstStyle/>
+          <a:p>
+            <a:r>
+              <a:rPr lang="en-HK"/>
+              <a:t>Model Uncertainty sharing - Tom Li</a:t>
+            </a:r>
+          </a:p>
+        </p:txBody>
+      </p:sp>
     </p:spTree>
     <p:extLst>
       <p:ext uri="{BB962C8B-B14F-4D97-AF65-F5344CB8AC3E}">
@@ -8293,6 +8860,34 @@
           </a:p>
         </p:txBody>
       </p:sp>
+      <p:sp>
+        <p:nvSpPr>
+          <p:cNvPr id="4" name="頁尾版面配置區 3">
+            <a:extLst>
+              <a:ext uri="{FF2B5EF4-FFF2-40B4-BE49-F238E27FC236}">
+                <a16:creationId xmlns:a16="http://schemas.microsoft.com/office/drawing/2014/main" id="{1160D795-24DC-4B13-875E-F033C1CE2E7C}"/>
+              </a:ext>
+            </a:extLst>
+          </p:cNvPr>
+          <p:cNvSpPr>
+            <a:spLocks noGrp="1"/>
+          </p:cNvSpPr>
+          <p:nvPr>
+            <p:ph type="ftr" sz="quarter" idx="11"/>
+          </p:nvPr>
+        </p:nvSpPr>
+        <p:spPr/>
+        <p:txBody>
+          <a:bodyPr/>
+          <a:lstStyle/>
+          <a:p>
+            <a:r>
+              <a:rPr lang="en-HK"/>
+              <a:t>Model Uncertainty sharing - Tom Li</a:t>
+            </a:r>
+          </a:p>
+        </p:txBody>
+      </p:sp>
     </p:spTree>
     <p:extLst>
       <p:ext uri="{BB962C8B-B14F-4D97-AF65-F5344CB8AC3E}">
@@ -8455,6 +9050,34 @@
           </a:prstGeom>
         </p:spPr>
       </p:pic>
+      <p:sp>
+        <p:nvSpPr>
+          <p:cNvPr id="4" name="頁尾版面配置區 3">
+            <a:extLst>
+              <a:ext uri="{FF2B5EF4-FFF2-40B4-BE49-F238E27FC236}">
+                <a16:creationId xmlns:a16="http://schemas.microsoft.com/office/drawing/2014/main" id="{0398F1D5-C36B-40A3-A2B9-B3E6849B4682}"/>
+              </a:ext>
+            </a:extLst>
+          </p:cNvPr>
+          <p:cNvSpPr>
+            <a:spLocks noGrp="1"/>
+          </p:cNvSpPr>
+          <p:nvPr>
+            <p:ph type="ftr" sz="quarter" idx="11"/>
+          </p:nvPr>
+        </p:nvSpPr>
+        <p:spPr/>
+        <p:txBody>
+          <a:bodyPr/>
+          <a:lstStyle/>
+          <a:p>
+            <a:r>
+              <a:rPr lang="en-HK"/>
+              <a:t>Model Uncertainty sharing - Tom Li</a:t>
+            </a:r>
+          </a:p>
+        </p:txBody>
+      </p:sp>
     </p:spTree>
     <p:extLst>
       <p:ext uri="{BB962C8B-B14F-4D97-AF65-F5344CB8AC3E}">
@@ -8897,6 +9520,34 @@
             <a:schemeClr val="lt1"/>
           </a:fontRef>
         </p:style>
+      </p:sp>
+      <p:sp>
+        <p:nvSpPr>
+          <p:cNvPr id="4" name="頁尾版面配置區 3">
+            <a:extLst>
+              <a:ext uri="{FF2B5EF4-FFF2-40B4-BE49-F238E27FC236}">
+                <a16:creationId xmlns:a16="http://schemas.microsoft.com/office/drawing/2014/main" id="{51D55A93-26B7-45F3-9EB5-AC4ABE2EC0C2}"/>
+              </a:ext>
+            </a:extLst>
+          </p:cNvPr>
+          <p:cNvSpPr>
+            <a:spLocks noGrp="1"/>
+          </p:cNvSpPr>
+          <p:nvPr>
+            <p:ph type="ftr" sz="quarter" idx="11"/>
+          </p:nvPr>
+        </p:nvSpPr>
+        <p:spPr/>
+        <p:txBody>
+          <a:bodyPr/>
+          <a:lstStyle/>
+          <a:p>
+            <a:r>
+              <a:rPr lang="en-HK"/>
+              <a:t>Model Uncertainty sharing - Tom Li</a:t>
+            </a:r>
+          </a:p>
+        </p:txBody>
       </p:sp>
     </p:spTree>
     <p:extLst>
@@ -9054,6 +9705,34 @@
           </a:prstGeom>
         </p:spPr>
       </p:pic>
+      <p:sp>
+        <p:nvSpPr>
+          <p:cNvPr id="4" name="頁尾版面配置區 3">
+            <a:extLst>
+              <a:ext uri="{FF2B5EF4-FFF2-40B4-BE49-F238E27FC236}">
+                <a16:creationId xmlns:a16="http://schemas.microsoft.com/office/drawing/2014/main" id="{C8853127-8927-410C-9E60-1E9ACBDBB00D}"/>
+              </a:ext>
+            </a:extLst>
+          </p:cNvPr>
+          <p:cNvSpPr>
+            <a:spLocks noGrp="1"/>
+          </p:cNvSpPr>
+          <p:nvPr>
+            <p:ph type="ftr" sz="quarter" idx="11"/>
+          </p:nvPr>
+        </p:nvSpPr>
+        <p:spPr/>
+        <p:txBody>
+          <a:bodyPr/>
+          <a:lstStyle/>
+          <a:p>
+            <a:r>
+              <a:rPr lang="en-HK"/>
+              <a:t>Model Uncertainty sharing - Tom Li</a:t>
+            </a:r>
+          </a:p>
+        </p:txBody>
+      </p:sp>
     </p:spTree>
     <p:extLst>
       <p:ext uri="{BB962C8B-B14F-4D97-AF65-F5344CB8AC3E}">
@@ -9150,6 +9829,34 @@
             <a:r>
               <a:rPr lang="en-HK" dirty="0"/>
               <a:t> …</a:t>
+            </a:r>
+          </a:p>
+        </p:txBody>
+      </p:sp>
+      <p:sp>
+        <p:nvSpPr>
+          <p:cNvPr id="4" name="頁尾版面配置區 3">
+            <a:extLst>
+              <a:ext uri="{FF2B5EF4-FFF2-40B4-BE49-F238E27FC236}">
+                <a16:creationId xmlns:a16="http://schemas.microsoft.com/office/drawing/2014/main" id="{902BB252-C543-4B0A-9FD7-B550D6316A80}"/>
+              </a:ext>
+            </a:extLst>
+          </p:cNvPr>
+          <p:cNvSpPr>
+            <a:spLocks noGrp="1"/>
+          </p:cNvSpPr>
+          <p:nvPr>
+            <p:ph type="ftr" sz="quarter" idx="11"/>
+          </p:nvPr>
+        </p:nvSpPr>
+        <p:spPr/>
+        <p:txBody>
+          <a:bodyPr/>
+          <a:lstStyle/>
+          <a:p>
+            <a:r>
+              <a:rPr lang="en-HK"/>
+              <a:t>Model Uncertainty sharing - Tom Li</a:t>
             </a:r>
           </a:p>
         </p:txBody>
@@ -9701,4 +10408,299 @@
     </a:ext>
   </a:extLst>
 </a:theme>
+</file>
+
+<file path=ppt/theme/theme3.xml><?xml version="1.0" encoding="utf-8"?>
+<a:theme xmlns:a="http://schemas.openxmlformats.org/drawingml/2006/main" name="Office 佈景主題">
+  <a:themeElements>
+    <a:clrScheme name="Office">
+      <a:dk1>
+        <a:sysClr val="windowText" lastClr="000000"/>
+      </a:dk1>
+      <a:lt1>
+        <a:sysClr val="window" lastClr="FFFFFF"/>
+      </a:lt1>
+      <a:dk2>
+        <a:srgbClr val="44546A"/>
+      </a:dk2>
+      <a:lt2>
+        <a:srgbClr val="E7E6E6"/>
+      </a:lt2>
+      <a:accent1>
+        <a:srgbClr val="4472C4"/>
+      </a:accent1>
+      <a:accent2>
+        <a:srgbClr val="ED7D31"/>
+      </a:accent2>
+      <a:accent3>
+        <a:srgbClr val="A5A5A5"/>
+      </a:accent3>
+      <a:accent4>
+        <a:srgbClr val="FFC000"/>
+      </a:accent4>
+      <a:accent5>
+        <a:srgbClr val="5B9BD5"/>
+      </a:accent5>
+      <a:accent6>
+        <a:srgbClr val="70AD47"/>
+      </a:accent6>
+      <a:hlink>
+        <a:srgbClr val="0563C1"/>
+      </a:hlink>
+      <a:folHlink>
+        <a:srgbClr val="954F72"/>
+      </a:folHlink>
+    </a:clrScheme>
+    <a:fontScheme name="Office">
+      <a:majorFont>
+        <a:latin typeface="Calibri Light" panose="020F0302020204030204"/>
+        <a:ea typeface=""/>
+        <a:cs typeface=""/>
+        <a:font script="Jpan" typeface="游ゴシック Light"/>
+        <a:font script="Hang" typeface="맑은 고딕"/>
+        <a:font script="Hans" typeface="等线 Light"/>
+        <a:font script="Hant" typeface="新細明體"/>
+        <a:font script="Arab" typeface="Times New Roman"/>
+        <a:font script="Hebr" typeface="Times New Roman"/>
+        <a:font script="Thai" typeface="Angsana New"/>
+        <a:font script="Ethi" typeface="Nyala"/>
+        <a:font script="Beng" typeface="Vrinda"/>
+        <a:font script="Gujr" typeface="Shruti"/>
+        <a:font script="Khmr" typeface="MoolBoran"/>
+        <a:font script="Knda" typeface="Tunga"/>
+        <a:font script="Guru" typeface="Raavi"/>
+        <a:font script="Cans" typeface="Euphemia"/>
+        <a:font script="Cher" typeface="Plantagenet Cherokee"/>
+        <a:font script="Yiii" typeface="Microsoft Yi Baiti"/>
+        <a:font script="Tibt" typeface="Microsoft Himalaya"/>
+        <a:font script="Thaa" typeface="MV Boli"/>
+        <a:font script="Deva" typeface="Mangal"/>
+        <a:font script="Telu" typeface="Gautami"/>
+        <a:font script="Taml" typeface="Latha"/>
+        <a:font script="Syrc" typeface="Estrangelo Edessa"/>
+        <a:font script="Orya" typeface="Kalinga"/>
+        <a:font script="Mlym" typeface="Kartika"/>
+        <a:font script="Laoo" typeface="DokChampa"/>
+        <a:font script="Sinh" typeface="Iskoola Pota"/>
+        <a:font script="Mong" typeface="Mongolian Baiti"/>
+        <a:font script="Viet" typeface="Times New Roman"/>
+        <a:font script="Uigh" typeface="Microsoft Uighur"/>
+        <a:font script="Geor" typeface="Sylfaen"/>
+        <a:font script="Armn" typeface="Arial"/>
+        <a:font script="Bugi" typeface="Leelawadee UI"/>
+        <a:font script="Bopo" typeface="Microsoft JhengHei"/>
+        <a:font script="Java" typeface="Javanese Text"/>
+        <a:font script="Lisu" typeface="Segoe UI"/>
+        <a:font script="Mymr" typeface="Myanmar Text"/>
+        <a:font script="Nkoo" typeface="Ebrima"/>
+        <a:font script="Olck" typeface="Nirmala UI"/>
+        <a:font script="Osma" typeface="Ebrima"/>
+        <a:font script="Phag" typeface="Phagspa"/>
+        <a:font script="Syrn" typeface="Estrangelo Edessa"/>
+        <a:font script="Syrj" typeface="Estrangelo Edessa"/>
+        <a:font script="Syre" typeface="Estrangelo Edessa"/>
+        <a:font script="Sora" typeface="Nirmala UI"/>
+        <a:font script="Tale" typeface="Microsoft Tai Le"/>
+        <a:font script="Talu" typeface="Microsoft New Tai Lue"/>
+        <a:font script="Tfng" typeface="Ebrima"/>
+      </a:majorFont>
+      <a:minorFont>
+        <a:latin typeface="Calibri" panose="020F0502020204030204"/>
+        <a:ea typeface=""/>
+        <a:cs typeface=""/>
+        <a:font script="Jpan" typeface="游ゴシック"/>
+        <a:font script="Hang" typeface="맑은 고딕"/>
+        <a:font script="Hans" typeface="等线"/>
+        <a:font script="Hant" typeface="新細明體"/>
+        <a:font script="Arab" typeface="Arial"/>
+        <a:font script="Hebr" typeface="Arial"/>
+        <a:font script="Thai" typeface="Cordia New"/>
+        <a:font script="Ethi" typeface="Nyala"/>
+        <a:font script="Beng" typeface="Vrinda"/>
+        <a:font script="Gujr" typeface="Shruti"/>
+        <a:font script="Khmr" typeface="DaunPenh"/>
+        <a:font script="Knda" typeface="Tunga"/>
+        <a:font script="Guru" typeface="Raavi"/>
+        <a:font script="Cans" typeface="Euphemia"/>
+        <a:font script="Cher" typeface="Plantagenet Cherokee"/>
+        <a:font script="Yiii" typeface="Microsoft Yi Baiti"/>
+        <a:font script="Tibt" typeface="Microsoft Himalaya"/>
+        <a:font script="Thaa" typeface="MV Boli"/>
+        <a:font script="Deva" typeface="Mangal"/>
+        <a:font script="Telu" typeface="Gautami"/>
+        <a:font script="Taml" typeface="Latha"/>
+        <a:font script="Syrc" typeface="Estrangelo Edessa"/>
+        <a:font script="Orya" typeface="Kalinga"/>
+        <a:font script="Mlym" typeface="Kartika"/>
+        <a:font script="Laoo" typeface="DokChampa"/>
+        <a:font script="Sinh" typeface="Iskoola Pota"/>
+        <a:font script="Mong" typeface="Mongolian Baiti"/>
+        <a:font script="Viet" typeface="Arial"/>
+        <a:font script="Uigh" typeface="Microsoft Uighur"/>
+        <a:font script="Geor" typeface="Sylfaen"/>
+        <a:font script="Armn" typeface="Arial"/>
+        <a:font script="Bugi" typeface="Leelawadee UI"/>
+        <a:font script="Bopo" typeface="Microsoft JhengHei"/>
+        <a:font script="Java" typeface="Javanese Text"/>
+        <a:font script="Lisu" typeface="Segoe UI"/>
+        <a:font script="Mymr" typeface="Myanmar Text"/>
+        <a:font script="Nkoo" typeface="Ebrima"/>
+        <a:font script="Olck" typeface="Nirmala UI"/>
+        <a:font script="Osma" typeface="Ebrima"/>
+        <a:font script="Phag" typeface="Phagspa"/>
+        <a:font script="Syrn" typeface="Estrangelo Edessa"/>
+        <a:font script="Syrj" typeface="Estrangelo Edessa"/>
+        <a:font script="Syre" typeface="Estrangelo Edessa"/>
+        <a:font script="Sora" typeface="Nirmala UI"/>
+        <a:font script="Tale" typeface="Microsoft Tai Le"/>
+        <a:font script="Talu" typeface="Microsoft New Tai Lue"/>
+        <a:font script="Tfng" typeface="Ebrima"/>
+      </a:minorFont>
+    </a:fontScheme>
+    <a:fmtScheme name="Office">
+      <a:fillStyleLst>
+        <a:solidFill>
+          <a:schemeClr val="phClr"/>
+        </a:solidFill>
+        <a:gradFill rotWithShape="1">
+          <a:gsLst>
+            <a:gs pos="0">
+              <a:schemeClr val="phClr">
+                <a:lumMod val="110000"/>
+                <a:satMod val="105000"/>
+                <a:tint val="67000"/>
+              </a:schemeClr>
+            </a:gs>
+            <a:gs pos="50000">
+              <a:schemeClr val="phClr">
+                <a:lumMod val="105000"/>
+                <a:satMod val="103000"/>
+                <a:tint val="73000"/>
+              </a:schemeClr>
+            </a:gs>
+            <a:gs pos="100000">
+              <a:schemeClr val="phClr">
+                <a:lumMod val="105000"/>
+                <a:satMod val="109000"/>
+                <a:tint val="81000"/>
+              </a:schemeClr>
+            </a:gs>
+          </a:gsLst>
+          <a:lin ang="5400000" scaled="0"/>
+        </a:gradFill>
+        <a:gradFill rotWithShape="1">
+          <a:gsLst>
+            <a:gs pos="0">
+              <a:schemeClr val="phClr">
+                <a:satMod val="103000"/>
+                <a:lumMod val="102000"/>
+                <a:tint val="94000"/>
+              </a:schemeClr>
+            </a:gs>
+            <a:gs pos="50000">
+              <a:schemeClr val="phClr">
+                <a:satMod val="110000"/>
+                <a:lumMod val="100000"/>
+                <a:shade val="100000"/>
+              </a:schemeClr>
+            </a:gs>
+            <a:gs pos="100000">
+              <a:schemeClr val="phClr">
+                <a:lumMod val="99000"/>
+                <a:satMod val="120000"/>
+                <a:shade val="78000"/>
+              </a:schemeClr>
+            </a:gs>
+          </a:gsLst>
+          <a:lin ang="5400000" scaled="0"/>
+        </a:gradFill>
+      </a:fillStyleLst>
+      <a:lnStyleLst>
+        <a:ln w="6350" cap="flat" cmpd="sng" algn="ctr">
+          <a:solidFill>
+            <a:schemeClr val="phClr"/>
+          </a:solidFill>
+          <a:prstDash val="solid"/>
+          <a:miter lim="800000"/>
+        </a:ln>
+        <a:ln w="12700" cap="flat" cmpd="sng" algn="ctr">
+          <a:solidFill>
+            <a:schemeClr val="phClr"/>
+          </a:solidFill>
+          <a:prstDash val="solid"/>
+          <a:miter lim="800000"/>
+        </a:ln>
+        <a:ln w="19050" cap="flat" cmpd="sng" algn="ctr">
+          <a:solidFill>
+            <a:schemeClr val="phClr"/>
+          </a:solidFill>
+          <a:prstDash val="solid"/>
+          <a:miter lim="800000"/>
+        </a:ln>
+      </a:lnStyleLst>
+      <a:effectStyleLst>
+        <a:effectStyle>
+          <a:effectLst/>
+        </a:effectStyle>
+        <a:effectStyle>
+          <a:effectLst/>
+        </a:effectStyle>
+        <a:effectStyle>
+          <a:effectLst>
+            <a:outerShdw blurRad="57150" dist="19050" dir="5400000" algn="ctr" rotWithShape="0">
+              <a:srgbClr val="000000">
+                <a:alpha val="63000"/>
+              </a:srgbClr>
+            </a:outerShdw>
+          </a:effectLst>
+        </a:effectStyle>
+      </a:effectStyleLst>
+      <a:bgFillStyleLst>
+        <a:solidFill>
+          <a:schemeClr val="phClr"/>
+        </a:solidFill>
+        <a:solidFill>
+          <a:schemeClr val="phClr">
+            <a:tint val="95000"/>
+            <a:satMod val="170000"/>
+          </a:schemeClr>
+        </a:solidFill>
+        <a:gradFill rotWithShape="1">
+          <a:gsLst>
+            <a:gs pos="0">
+              <a:schemeClr val="phClr">
+                <a:tint val="93000"/>
+                <a:satMod val="150000"/>
+                <a:shade val="98000"/>
+                <a:lumMod val="102000"/>
+              </a:schemeClr>
+            </a:gs>
+            <a:gs pos="50000">
+              <a:schemeClr val="phClr">
+                <a:tint val="98000"/>
+                <a:satMod val="130000"/>
+                <a:shade val="90000"/>
+                <a:lumMod val="103000"/>
+              </a:schemeClr>
+            </a:gs>
+            <a:gs pos="100000">
+              <a:schemeClr val="phClr">
+                <a:shade val="63000"/>
+                <a:satMod val="120000"/>
+              </a:schemeClr>
+            </a:gs>
+          </a:gsLst>
+          <a:lin ang="5400000" scaled="0"/>
+        </a:gradFill>
+      </a:bgFillStyleLst>
+    </a:fmtScheme>
+  </a:themeElements>
+  <a:objectDefaults/>
+  <a:extraClrSchemeLst/>
+  <a:extLst>
+    <a:ext uri="{05A4C25C-085E-4340-85A3-A5531E510DB2}">
+      <thm15:themeFamily xmlns:thm15="http://schemas.microsoft.com/office/thememl/2012/main" name="Office Theme" id="{62F939B6-93AF-4DB8-9C6B-D6C7DFDC589F}" vid="{4A3C46E8-61CC-4603-A589-7422A47A8E4A}"/>
+    </a:ext>
+  </a:extLst>
+</a:theme>
 </file>
--- a/Model Uncertainty sharing.pptx
+++ b/Model Uncertainty sharing.pptx
@@ -207,7 +207,7 @@
           <a:p>
             <a:fld id="{7BC7986F-721D-4EDF-A06D-42C28A98A046}" type="datetimeFigureOut">
               <a:rPr lang="en-HK" smtClean="0"/>
-              <a:t>26/12/2018</a:t>
+              <a:t>27/12/2018</a:t>
             </a:fld>
             <a:endParaRPr lang="en-HK"/>
           </a:p>
@@ -617,7 +617,7 @@
           <a:p>
             <a:fld id="{22755E5F-019C-47B2-AB3D-4F397A12006E}" type="datetime1">
               <a:rPr lang="en-HK" smtClean="0"/>
-              <a:t>26/12/2018</a:t>
+              <a:t>27/12/2018</a:t>
             </a:fld>
             <a:endParaRPr lang="en-HK"/>
           </a:p>
@@ -790,7 +790,7 @@
           <a:p>
             <a:fld id="{590C6290-8F7A-46BF-9D79-5141B7DFDBA6}" type="datetime1">
               <a:rPr lang="en-HK" smtClean="0"/>
-              <a:t>26/12/2018</a:t>
+              <a:t>27/12/2018</a:t>
             </a:fld>
             <a:endParaRPr lang="en-HK"/>
           </a:p>
@@ -973,7 +973,7 @@
           <a:p>
             <a:fld id="{58ED9B6D-0CD5-4DDD-9292-10166DD8212A}" type="datetime1">
               <a:rPr lang="en-HK" smtClean="0"/>
-              <a:t>26/12/2018</a:t>
+              <a:t>27/12/2018</a:t>
             </a:fld>
             <a:endParaRPr lang="en-HK"/>
           </a:p>
@@ -1263,7 +1263,7 @@
           <a:p>
             <a:fld id="{1A8CCCB1-491B-4F3E-A44F-D351F34A9591}" type="datetime1">
               <a:rPr lang="en-HK" smtClean="0"/>
-              <a:t>26/12/2018</a:t>
+              <a:t>27/12/2018</a:t>
             </a:fld>
             <a:endParaRPr lang="en-HK"/>
           </a:p>
@@ -1474,7 +1474,7 @@
           <a:p>
             <a:fld id="{1B574644-0698-46AC-9807-15748B72E825}" type="datetime1">
               <a:rPr lang="en-HK" smtClean="0"/>
-              <a:t>26/12/2018</a:t>
+              <a:t>27/12/2018</a:t>
             </a:fld>
             <a:endParaRPr lang="en-HK"/>
           </a:p>
@@ -1820,7 +1820,7 @@
           <a:p>
             <a:fld id="{285C58B1-24E2-4345-BDB6-77A361868727}" type="datetime1">
               <a:rPr lang="en-HK" smtClean="0"/>
-              <a:t>26/12/2018</a:t>
+              <a:t>27/12/2018</a:t>
             </a:fld>
             <a:endParaRPr lang="en-HK"/>
           </a:p>
@@ -2098,7 +2098,7 @@
           <a:p>
             <a:fld id="{38DA1F52-89DC-4BA4-A759-C924D95AEB01}" type="datetime1">
               <a:rPr lang="en-HK" smtClean="0"/>
-              <a:t>26/12/2018</a:t>
+              <a:t>27/12/2018</a:t>
             </a:fld>
             <a:endParaRPr lang="en-HK"/>
           </a:p>
@@ -2480,7 +2480,7 @@
           <a:p>
             <a:fld id="{F4E75A24-3812-42A0-B716-5EA42C0984DC}" type="datetime1">
               <a:rPr lang="en-HK" smtClean="0"/>
-              <a:t>26/12/2018</a:t>
+              <a:t>27/12/2018</a:t>
             </a:fld>
             <a:endParaRPr lang="en-HK"/>
           </a:p>
@@ -2601,7 +2601,7 @@
           <a:p>
             <a:fld id="{89B7080E-1AC3-43D5-B08E-692FC42A1B13}" type="datetime1">
               <a:rPr lang="en-HK" smtClean="0"/>
-              <a:t>26/12/2018</a:t>
+              <a:t>27/12/2018</a:t>
             </a:fld>
             <a:endParaRPr lang="en-HK"/>
           </a:p>
@@ -2775,7 +2775,7 @@
           <a:p>
             <a:fld id="{99EBC1D4-5438-4D71-A3C6-E9FAAB70C57F}" type="datetime1">
               <a:rPr lang="en-HK" smtClean="0"/>
-              <a:t>26/12/2018</a:t>
+              <a:t>27/12/2018</a:t>
             </a:fld>
             <a:endParaRPr lang="en-HK"/>
           </a:p>
@@ -3132,7 +3132,7 @@
           <a:p>
             <a:fld id="{C3A1EDB6-6F24-4AF8-BD0B-1C8DAF8667C3}" type="datetime1">
               <a:rPr lang="en-HK" smtClean="0"/>
-              <a:t>26/12/2018</a:t>
+              <a:t>27/12/2018</a:t>
             </a:fld>
             <a:endParaRPr lang="en-HK"/>
           </a:p>
@@ -3326,7 +3326,7 @@
           <a:p>
             <a:fld id="{41AFCB91-0B1F-4274-811C-9A9CED63A79F}" type="datetime1">
               <a:rPr lang="en-HK" smtClean="0"/>
-              <a:t>26/12/2018</a:t>
+              <a:t>27/12/2018</a:t>
             </a:fld>
             <a:endParaRPr lang="en-HK"/>
           </a:p>
@@ -3685,7 +3685,7 @@
           <a:p>
             <a:fld id="{255B4350-5240-4BD9-A4A0-1047D20204EF}" type="datetime1">
               <a:rPr lang="en-HK" smtClean="0"/>
-              <a:t>26/12/2018</a:t>
+              <a:t>27/12/2018</a:t>
             </a:fld>
             <a:endParaRPr lang="en-HK"/>
           </a:p>
@@ -3858,7 +3858,7 @@
           <a:p>
             <a:fld id="{81DB85EE-4296-4097-8324-FF8FD1BCE5F7}" type="datetime1">
               <a:rPr lang="en-HK" smtClean="0"/>
-              <a:t>26/12/2018</a:t>
+              <a:t>27/12/2018</a:t>
             </a:fld>
             <a:endParaRPr lang="en-HK"/>
           </a:p>
@@ -4117,7 +4117,7 @@
           <a:p>
             <a:fld id="{D324DA22-5704-4B1F-88DB-DA2C89CE078B}" type="datetime1">
               <a:rPr lang="en-HK" smtClean="0"/>
-              <a:t>26/12/2018</a:t>
+              <a:t>27/12/2018</a:t>
             </a:fld>
             <a:endParaRPr lang="en-HK"/>
           </a:p>
@@ -4371,7 +4371,7 @@
           <a:p>
             <a:fld id="{FFF936C5-A8C2-454D-A421-1EF5102C323E}" type="datetime1">
               <a:rPr lang="en-HK" smtClean="0"/>
-              <a:t>26/12/2018</a:t>
+              <a:t>27/12/2018</a:t>
             </a:fld>
             <a:endParaRPr lang="en-HK"/>
           </a:p>
@@ -4606,7 +4606,7 @@
           <a:p>
             <a:fld id="{AB79E72E-FCEE-4152-91FC-4FAE9726FD21}" type="datetime1">
               <a:rPr lang="en-HK" smtClean="0"/>
-              <a:t>26/12/2018</a:t>
+              <a:t>27/12/2018</a:t>
             </a:fld>
             <a:endParaRPr lang="en-HK"/>
           </a:p>
@@ -4956,7 +4956,7 @@
           <a:p>
             <a:fld id="{8A80EE7C-95FD-4B8E-84B0-7711B7B4B53A}" type="datetime1">
               <a:rPr lang="en-HK" smtClean="0"/>
-              <a:t>26/12/2018</a:t>
+              <a:t>27/12/2018</a:t>
             </a:fld>
             <a:endParaRPr lang="en-HK"/>
           </a:p>
@@ -5077,7 +5077,7 @@
           <a:p>
             <a:fld id="{29FC8297-608B-42D4-B538-3C198027FB68}" type="datetime1">
               <a:rPr lang="en-HK" smtClean="0"/>
-              <a:t>26/12/2018</a:t>
+              <a:t>27/12/2018</a:t>
             </a:fld>
             <a:endParaRPr lang="en-HK"/>
           </a:p>
@@ -5198,7 +5198,7 @@
           <a:p>
             <a:fld id="{91A98973-C70B-43C6-9079-22963FEB780B}" type="datetime1">
               <a:rPr lang="en-HK" smtClean="0"/>
-              <a:t>26/12/2018</a:t>
+              <a:t>27/12/2018</a:t>
             </a:fld>
             <a:endParaRPr lang="en-HK"/>
           </a:p>
@@ -5485,7 +5485,7 @@
           <a:p>
             <a:fld id="{1A5CFBBA-E6A3-49C0-B627-7A93C9AAB3EC}" type="datetime1">
               <a:rPr lang="en-HK" smtClean="0"/>
-              <a:t>26/12/2018</a:t>
+              <a:t>27/12/2018</a:t>
             </a:fld>
             <a:endParaRPr lang="en-HK"/>
           </a:p>
@@ -5752,7 +5752,7 @@
           <a:p>
             <a:fld id="{58344E19-CE0F-4A3B-B413-1143668C6429}" type="datetime1">
               <a:rPr lang="en-HK" smtClean="0"/>
-              <a:t>26/12/2018</a:t>
+              <a:t>27/12/2018</a:t>
             </a:fld>
             <a:endParaRPr lang="en-HK"/>
           </a:p>
@@ -5969,7 +5969,7 @@
           <a:p>
             <a:fld id="{D2C30EE2-2944-48AC-99D6-6C802A54B233}" type="datetime1">
               <a:rPr lang="en-HK" smtClean="0"/>
-              <a:t>26/12/2018</a:t>
+              <a:t>27/12/2018</a:t>
             </a:fld>
             <a:endParaRPr lang="en-HK"/>
           </a:p>
@@ -6576,7 +6576,7 @@
           <a:p>
             <a:fld id="{C559BEA5-0E12-46D5-8A76-B2AB6DB15F3A}" type="datetime1">
               <a:rPr lang="en-HK" smtClean="0"/>
-              <a:t>26/12/2018</a:t>
+              <a:t>27/12/2018</a:t>
             </a:fld>
             <a:endParaRPr lang="en-HK"/>
           </a:p>
@@ -8076,98 +8076,230 @@
           </a:p>
         </p:txBody>
       </p:sp>
-      <p:sp>
-        <p:nvSpPr>
-          <p:cNvPr id="3" name="內容版面配置區 2">
-            <a:extLst>
-              <a:ext uri="{FF2B5EF4-FFF2-40B4-BE49-F238E27FC236}">
-                <a16:creationId xmlns:a16="http://schemas.microsoft.com/office/drawing/2014/main" id="{C82903F8-BDC7-413C-9A45-B883F325412F}"/>
-              </a:ext>
-            </a:extLst>
-          </p:cNvPr>
-          <p:cNvSpPr>
-            <a:spLocks noGrp="1"/>
-          </p:cNvSpPr>
-          <p:nvPr>
-            <p:ph idx="1"/>
-          </p:nvPr>
-        </p:nvSpPr>
-        <p:spPr/>
-        <p:txBody>
-          <a:bodyPr>
-            <a:normAutofit fontScale="85000" lnSpcReduction="20000"/>
-          </a:bodyPr>
-          <a:lstStyle/>
-          <a:p>
-            <a:endParaRPr lang="en-HK" dirty="0"/>
-          </a:p>
-          <a:p>
-            <a:r>
-              <a:rPr lang="en-HK" dirty="0"/>
-              <a:t>Non-Bayesian:                                                Bayesian:</a:t>
-            </a:r>
-          </a:p>
-          <a:p>
-            <a:endParaRPr lang="en-HK" dirty="0"/>
-          </a:p>
-          <a:p>
-            <a:endParaRPr lang="en-HK" dirty="0"/>
-          </a:p>
-          <a:p>
-            <a:endParaRPr lang="en-HK" dirty="0"/>
-          </a:p>
-          <a:p>
-            <a:endParaRPr lang="en-HK" dirty="0"/>
-          </a:p>
-          <a:p>
-            <a:endParaRPr lang="en-HK" dirty="0"/>
-          </a:p>
-          <a:p>
-            <a:r>
-              <a:rPr lang="en-HK" dirty="0"/>
-              <a:t>Similarity/Difference</a:t>
-            </a:r>
-          </a:p>
-          <a:p>
-            <a:pPr>
-              <a:buFont typeface="Arial" panose="020B0604020202020204" pitchFamily="34" charset="0"/>
-              <a:buChar char="•"/>
-            </a:pPr>
-            <a:r>
-              <a:rPr lang="en-HK" dirty="0"/>
-              <a:t> L = Loss function </a:t>
-            </a:r>
-            <a:r>
-              <a:rPr lang="en-HK" dirty="0">
-                <a:sym typeface="Wingdings" panose="05000000000000000000" pitchFamily="2" charset="2"/>
-              </a:rPr>
-              <a:t>&lt;-&gt; Likelihood</a:t>
-            </a:r>
-          </a:p>
-          <a:p>
-            <a:pPr>
-              <a:buFont typeface="Arial" panose="020B0604020202020204" pitchFamily="34" charset="0"/>
-              <a:buChar char="•"/>
-            </a:pPr>
-            <a:r>
-              <a:rPr lang="en-HK" dirty="0">
-                <a:sym typeface="Wingdings" panose="05000000000000000000" pitchFamily="2" charset="2"/>
-              </a:rPr>
-              <a:t> C = Complexity &lt;-&gt; Prior</a:t>
-            </a:r>
-          </a:p>
-          <a:p>
-            <a:pPr>
-              <a:buFont typeface="Arial" panose="020B0604020202020204" pitchFamily="34" charset="0"/>
-              <a:buChar char="•"/>
-            </a:pPr>
-            <a:r>
-              <a:rPr lang="en-HK" dirty="0"/>
-              <a:t> Point estimates vs Distributions</a:t>
-            </a:r>
-          </a:p>
-        </p:txBody>
-      </p:sp>
+      <mc:AlternateContent xmlns:mc="http://schemas.openxmlformats.org/markup-compatibility/2006">
+        <mc:Choice xmlns:a14="http://schemas.microsoft.com/office/drawing/2010/main" Requires="a14">
+          <p:sp>
+            <p:nvSpPr>
+              <p:cNvPr id="3" name="內容版面配置區 2">
+                <a:extLst>
+                  <a:ext uri="{FF2B5EF4-FFF2-40B4-BE49-F238E27FC236}">
+                    <a16:creationId xmlns:a16="http://schemas.microsoft.com/office/drawing/2014/main" id="{C82903F8-BDC7-413C-9A45-B883F325412F}"/>
+                  </a:ext>
+                </a:extLst>
+              </p:cNvPr>
+              <p:cNvSpPr>
+                <a:spLocks noGrp="1"/>
+              </p:cNvSpPr>
+              <p:nvPr>
+                <p:ph idx="1"/>
+              </p:nvPr>
+            </p:nvSpPr>
+            <p:spPr/>
+            <p:txBody>
+              <a:bodyPr>
+                <a:normAutofit fontScale="85000" lnSpcReduction="20000"/>
+              </a:bodyPr>
+              <a:lstStyle/>
+              <a:p>
+                <a:endParaRPr lang="en-HK" dirty="0"/>
+              </a:p>
+              <a:p>
+                <a:r>
+                  <a:rPr lang="en-HK" dirty="0"/>
+                  <a:t>Non-Bayesian:                                                Bayesian:</a:t>
+                </a:r>
+              </a:p>
+              <a:p>
+                <a:endParaRPr lang="en-HK" dirty="0"/>
+              </a:p>
+              <a:p>
+                <a:endParaRPr lang="en-HK" dirty="0"/>
+              </a:p>
+              <a:p>
+                <a:endParaRPr lang="en-HK" dirty="0"/>
+              </a:p>
+              <a:p>
+                <a:endParaRPr lang="en-HK" dirty="0"/>
+              </a:p>
+              <a:p>
+                <a:endParaRPr lang="en-HK" dirty="0"/>
+              </a:p>
+              <a:p>
+                <a:r>
+                  <a:rPr lang="en-HK" dirty="0"/>
+                  <a:t>Similarity/Difference</a:t>
+                </a:r>
+              </a:p>
+              <a:p>
+                <a:pPr>
+                  <a:buFont typeface="Arial" panose="020B0604020202020204" pitchFamily="34" charset="0"/>
+                  <a:buChar char="•"/>
+                </a:pPr>
+                <a:r>
+                  <a:rPr lang="en-HK" dirty="0"/>
+                  <a:t> L = Loss function </a:t>
+                </a:r>
+                <a:r>
+                  <a:rPr lang="en-HK" dirty="0">
+                    <a:sym typeface="Wingdings" panose="05000000000000000000" pitchFamily="2" charset="2"/>
+                  </a:rPr>
+                  <a:t>&lt;-&gt; Likelihood</a:t>
+                </a:r>
+              </a:p>
+              <a:p>
+                <a:pPr>
+                  <a:buFont typeface="Arial" panose="020B0604020202020204" pitchFamily="34" charset="0"/>
+                  <a:buChar char="•"/>
+                </a:pPr>
+                <a:r>
+                  <a:rPr lang="en-HK" dirty="0">
+                    <a:sym typeface="Wingdings" panose="05000000000000000000" pitchFamily="2" charset="2"/>
+                  </a:rPr>
+                  <a:t> C = Complexity &lt;-&gt; Prior</a:t>
+                </a:r>
+              </a:p>
+              <a:p>
+                <a:pPr>
+                  <a:buFont typeface="Arial" panose="020B0604020202020204" pitchFamily="34" charset="0"/>
+                  <a:buChar char="•"/>
+                </a:pPr>
+                <a:r>
+                  <a:rPr lang="en-HK" dirty="0"/>
+                  <a:t> Point estimates (</a:t>
+                </a:r>
+                <a14:m>
+                  <m:oMath xmlns:m="http://schemas.openxmlformats.org/officeDocument/2006/math">
+                    <m:sSup>
+                      <m:sSupPr>
+                        <m:ctrlPr>
+                          <a:rPr lang="en-HK" i="1">
+                            <a:latin typeface="Cambria Math" panose="02040503050406030204" pitchFamily="18" charset="0"/>
+                          </a:rPr>
+                        </m:ctrlPr>
+                      </m:sSupPr>
+                      <m:e>
+                        <m:r>
+                          <a:rPr lang="en-HK" i="1">
+                            <a:latin typeface="Cambria Math" panose="02040503050406030204" pitchFamily="18" charset="0"/>
+                          </a:rPr>
+                          <m:t>𝑤</m:t>
+                        </m:r>
+                      </m:e>
+                      <m:sup>
+                        <m:r>
+                          <a:rPr lang="en-HK" i="1">
+                            <a:latin typeface="Cambria Math" panose="02040503050406030204" pitchFamily="18" charset="0"/>
+                          </a:rPr>
+                          <m:t>′</m:t>
+                        </m:r>
+                      </m:sup>
+                    </m:sSup>
+                  </m:oMath>
+                </a14:m>
+                <a:r>
+                  <a:rPr lang="en-HK" dirty="0"/>
+                  <a:t>) vs Distributions (</a:t>
+                </a:r>
+                <a14:m>
+                  <m:oMath xmlns:m="http://schemas.openxmlformats.org/officeDocument/2006/math">
+                    <m:r>
+                      <a:rPr lang="en-US" b="0" i="1" smtClean="0">
+                        <a:latin typeface="Cambria Math" panose="02040503050406030204" pitchFamily="18" charset="0"/>
+                      </a:rPr>
+                      <m:t>𝑝</m:t>
+                    </m:r>
+                    <m:r>
+                      <a:rPr lang="en-US" b="0" i="1" smtClean="0">
+                        <a:latin typeface="Cambria Math" panose="02040503050406030204" pitchFamily="18" charset="0"/>
+                      </a:rPr>
+                      <m:t>(</m:t>
+                    </m:r>
+                    <m:r>
+                      <a:rPr lang="en-US" b="0" i="1" smtClean="0">
+                        <a:latin typeface="Cambria Math" panose="02040503050406030204" pitchFamily="18" charset="0"/>
+                      </a:rPr>
+                      <m:t>𝑤</m:t>
+                    </m:r>
+                    <m:r>
+                      <a:rPr lang="en-US" b="0" i="1" smtClean="0">
+                        <a:latin typeface="Cambria Math" panose="02040503050406030204" pitchFamily="18" charset="0"/>
+                      </a:rPr>
+                      <m:t>|</m:t>
+                    </m:r>
+                    <m:r>
+                      <a:rPr lang="en-US" b="0" i="1" smtClean="0">
+                        <a:latin typeface="Cambria Math" panose="02040503050406030204" pitchFamily="18" charset="0"/>
+                      </a:rPr>
+                      <m:t>𝑋</m:t>
+                    </m:r>
+                    <m:r>
+                      <a:rPr lang="en-US" b="0" i="1" smtClean="0">
+                        <a:latin typeface="Cambria Math" panose="02040503050406030204" pitchFamily="18" charset="0"/>
+                      </a:rPr>
+                      <m:t>,</m:t>
+                    </m:r>
+                    <m:r>
+                      <a:rPr lang="en-US" b="0" i="1" smtClean="0">
+                        <a:latin typeface="Cambria Math" panose="02040503050406030204" pitchFamily="18" charset="0"/>
+                      </a:rPr>
+                      <m:t>𝑦</m:t>
+                    </m:r>
+                    <m:r>
+                      <a:rPr lang="en-US" b="0" i="1" smtClean="0">
+                        <a:latin typeface="Cambria Math" panose="02040503050406030204" pitchFamily="18" charset="0"/>
+                      </a:rPr>
+                      <m:t>)</m:t>
+                    </m:r>
+                  </m:oMath>
+                </a14:m>
+                <a:r>
+                  <a:rPr lang="en-HK" dirty="0"/>
+                  <a:t>)</a:t>
+                </a:r>
+              </a:p>
+            </p:txBody>
+          </p:sp>
+        </mc:Choice>
+        <mc:Fallback>
+          <p:sp>
+            <p:nvSpPr>
+              <p:cNvPr id="3" name="內容版面配置區 2">
+                <a:extLst>
+                  <a:ext uri="{FF2B5EF4-FFF2-40B4-BE49-F238E27FC236}">
+                    <a16:creationId xmlns:a16="http://schemas.microsoft.com/office/drawing/2014/main" id="{C82903F8-BDC7-413C-9A45-B883F325412F}"/>
+                  </a:ext>
+                </a:extLst>
+              </p:cNvPr>
+              <p:cNvSpPr>
+                <a:spLocks noGrp="1" noRot="1" noChangeAspect="1" noMove="1" noResize="1" noEditPoints="1" noAdjustHandles="1" noChangeArrowheads="1" noChangeShapeType="1" noTextEdit="1"/>
+              </p:cNvSpPr>
+              <p:nvPr>
+                <p:ph idx="1"/>
+              </p:nvPr>
+            </p:nvSpPr>
+            <p:spPr>
+              <a:blipFill>
+                <a:blip r:embed="rId2"/>
+                <a:stretch>
+                  <a:fillRect l="-1212"/>
+                </a:stretch>
+              </a:blipFill>
+            </p:spPr>
+            <p:txBody>
+              <a:bodyPr/>
+              <a:lstStyle/>
+              <a:p>
+                <a:r>
+                  <a:rPr lang="en-US">
+                    <a:noFill/>
+                  </a:rPr>
+                  <a:t> </a:t>
+                </a:r>
+              </a:p>
+            </p:txBody>
+          </p:sp>
+        </mc:Fallback>
+      </mc:AlternateContent>
       <p:pic>
         <p:nvPicPr>
           <p:cNvPr id="4" name="圖片 3">
@@ -8183,7 +8315,7 @@
           <p:nvPr/>
         </p:nvPicPr>
         <p:blipFill>
-          <a:blip r:embed="rId2"/>
+          <a:blip r:embed="rId3"/>
           <a:stretch>
             <a:fillRect/>
           </a:stretch>
@@ -8541,7 +8673,7 @@
                 <a:avLst/>
               </a:prstGeom>
               <a:blipFill>
-                <a:blip r:embed="rId3"/>
+                <a:blip r:embed="rId4"/>
                 <a:stretch>
                   <a:fillRect l="-169"/>
                 </a:stretch>

--- a/Model Uncertainty sharing.pptx
+++ b/Model Uncertainty sharing.pptx
@@ -8076,8 +8076,8 @@
           </a:p>
         </p:txBody>
       </p:sp>
-      <mc:AlternateContent xmlns:mc="http://schemas.openxmlformats.org/markup-compatibility/2006">
-        <mc:Choice xmlns:a14="http://schemas.microsoft.com/office/drawing/2010/main" Requires="a14">
+      <mc:AlternateContent xmlns:mc="http://schemas.openxmlformats.org/markup-compatibility/2006" xmlns:a14="http://schemas.microsoft.com/office/drawing/2010/main">
+        <mc:Choice Requires="a14">
           <p:sp>
             <p:nvSpPr>
               <p:cNvPr id="3" name="內容版面配置區 2">
@@ -8260,7 +8260,7 @@
             </p:txBody>
           </p:sp>
         </mc:Choice>
-        <mc:Fallback>
+        <mc:Fallback xmlns="">
           <p:sp>
             <p:nvSpPr>
               <p:cNvPr id="3" name="內容版面配置區 2">
@@ -8926,9 +8926,10 @@
           <a:lstStyle/>
           <a:p>
             <a:r>
-              <a:rPr lang="en-HK" dirty="0"/>
-              <a:t>Bayesian methods</a:t>
-            </a:r>
+              <a:rPr lang="en-HK"/>
+              <a:t>Bayesian inference</a:t>
+            </a:r>
+            <a:endParaRPr lang="en-HK" dirty="0"/>
           </a:p>
         </p:txBody>
       </p:sp>

--- a/Model Uncertainty sharing.pptx
+++ b/Model Uncertainty sharing.pptx
@@ -7592,8 +7592,8 @@
           </a:p>
         </p:txBody>
       </p:sp>
-      <mc:AlternateContent xmlns:mc="http://schemas.openxmlformats.org/markup-compatibility/2006" xmlns:a14="http://schemas.microsoft.com/office/drawing/2010/main">
-        <mc:Choice Requires="a14">
+      <mc:AlternateContent xmlns:mc="http://schemas.openxmlformats.org/markup-compatibility/2006">
+        <mc:Choice xmlns:a14="http://schemas.microsoft.com/office/drawing/2010/main" Requires="a14">
           <p:sp>
             <p:nvSpPr>
               <p:cNvPr id="3" name="內容版面配置區 2">
@@ -7761,37 +7761,18 @@
                           </m:ctrlPr>
                         </m:sSupPr>
                         <m:e>
-                          <m:sSup>
-                            <m:sSupPr>
-                              <m:ctrlPr>
-                                <a:rPr lang="en-HK" i="1">
-                                  <a:latin typeface="Cambria Math" panose="02040503050406030204" pitchFamily="18" charset="0"/>
-                                </a:rPr>
-                              </m:ctrlPr>
-                            </m:sSupPr>
-                            <m:e>
-                              <m:r>
-                                <a:rPr lang="en-HK" i="1">
-                                  <a:latin typeface="Cambria Math" panose="02040503050406030204" pitchFamily="18" charset="0"/>
-                                </a:rPr>
-                                <m:t>(</m:t>
-                              </m:r>
-                              <m:r>
-                                <a:rPr lang="en-HK" i="1">
-                                  <a:latin typeface="Cambria Math" panose="02040503050406030204" pitchFamily="18" charset="0"/>
-                                </a:rPr>
-                                <m:t>𝑌</m:t>
-                              </m:r>
-                            </m:e>
-                            <m:sup>
-                              <m:r>
-                                <a:rPr lang="en-HK" i="1">
-                                  <a:latin typeface="Cambria Math" panose="02040503050406030204" pitchFamily="18" charset="0"/>
-                                </a:rPr>
-                                <m:t>′</m:t>
-                              </m:r>
-                            </m:sup>
-                          </m:sSup>
+                          <m:r>
+                            <a:rPr lang="en-US" b="0" i="1" smtClean="0">
+                              <a:latin typeface="Cambria Math" panose="02040503050406030204" pitchFamily="18" charset="0"/>
+                            </a:rPr>
+                            <m:t>(</m:t>
+                          </m:r>
+                          <m:r>
+                            <a:rPr lang="en-US" i="1">
+                              <a:latin typeface="Cambria Math" panose="02040503050406030204" pitchFamily="18" charset="0"/>
+                            </a:rPr>
+                            <m:t>𝑌</m:t>
+                          </m:r>
                           <m:r>
                             <a:rPr lang="en-HK" i="1">
                               <a:latin typeface="Cambria Math" panose="02040503050406030204" pitchFamily="18" charset="0"/>
@@ -7890,7 +7871,7 @@
             </p:txBody>
           </p:sp>
         </mc:Choice>
-        <mc:Fallback xmlns="">
+        <mc:Fallback>
           <p:sp>
             <p:nvSpPr>
               <p:cNvPr id="3" name="內容版面配置區 2">
@@ -7920,7 +7901,7 @@
               <a:lstStyle/>
               <a:p>
                 <a:r>
-                  <a:rPr lang="en-HK">
+                  <a:rPr lang="en-US">
                     <a:noFill/>
                   </a:rPr>
                   <a:t> </a:t>

--- a/Model Uncertainty sharing.pptx
+++ b/Model Uncertainty sharing.pptx
@@ -615,7 +615,7 @@
           <a:bodyPr/>
           <a:lstStyle/>
           <a:p>
-            <a:fld id="{22755E5F-019C-47B2-AB3D-4F397A12006E}" type="datetime1">
+            <a:fld id="{3F781871-F49A-4B6A-90E4-6FDC251D4B64}" type="datetime1">
               <a:rPr lang="en-HK" smtClean="0"/>
               <a:t>27/12/2018</a:t>
             </a:fld>
@@ -788,7 +788,7 @@
           <a:bodyPr/>
           <a:lstStyle/>
           <a:p>
-            <a:fld id="{590C6290-8F7A-46BF-9D79-5141B7DFDBA6}" type="datetime1">
+            <a:fld id="{969CFD44-A2F6-49C7-BDC2-0B83C3FB0174}" type="datetime1">
               <a:rPr lang="en-HK" smtClean="0"/>
               <a:t>27/12/2018</a:t>
             </a:fld>
@@ -971,7 +971,7 @@
           <a:bodyPr/>
           <a:lstStyle/>
           <a:p>
-            <a:fld id="{58ED9B6D-0CD5-4DDD-9292-10166DD8212A}" type="datetime1">
+            <a:fld id="{FB30797B-0FA9-4AD8-9E21-F053DFCB3CC7}" type="datetime1">
               <a:rPr lang="en-HK" smtClean="0"/>
               <a:t>27/12/2018</a:t>
             </a:fld>
@@ -1261,7 +1261,7 @@
           <a:bodyPr/>
           <a:lstStyle/>
           <a:p>
-            <a:fld id="{1A8CCCB1-491B-4F3E-A44F-D351F34A9591}" type="datetime1">
+            <a:fld id="{71F02631-0811-4076-A522-DDFC83A9474B}" type="datetime1">
               <a:rPr lang="en-HK" smtClean="0"/>
               <a:t>27/12/2018</a:t>
             </a:fld>
@@ -1472,7 +1472,7 @@
           <a:bodyPr/>
           <a:lstStyle/>
           <a:p>
-            <a:fld id="{1B574644-0698-46AC-9807-15748B72E825}" type="datetime1">
+            <a:fld id="{9C540C55-BFC2-4DB2-B78F-DB92AAED55ED}" type="datetime1">
               <a:rPr lang="en-HK" smtClean="0"/>
               <a:t>27/12/2018</a:t>
             </a:fld>
@@ -1818,7 +1818,7 @@
           <a:bodyPr/>
           <a:lstStyle/>
           <a:p>
-            <a:fld id="{285C58B1-24E2-4345-BDB6-77A361868727}" type="datetime1">
+            <a:fld id="{1A186B28-BC22-4911-B837-CC6C49C4190C}" type="datetime1">
               <a:rPr lang="en-HK" smtClean="0"/>
               <a:t>27/12/2018</a:t>
             </a:fld>
@@ -2096,7 +2096,7 @@
           <a:bodyPr/>
           <a:lstStyle/>
           <a:p>
-            <a:fld id="{38DA1F52-89DC-4BA4-A759-C924D95AEB01}" type="datetime1">
+            <a:fld id="{58A672AE-8F0F-4A30-951C-066C1B9CF9FE}" type="datetime1">
               <a:rPr lang="en-HK" smtClean="0"/>
               <a:t>27/12/2018</a:t>
             </a:fld>
@@ -2478,7 +2478,7 @@
           <a:bodyPr/>
           <a:lstStyle/>
           <a:p>
-            <a:fld id="{F4E75A24-3812-42A0-B716-5EA42C0984DC}" type="datetime1">
+            <a:fld id="{49BED939-8293-4BA1-A272-9146651EE7A8}" type="datetime1">
               <a:rPr lang="en-HK" smtClean="0"/>
               <a:t>27/12/2018</a:t>
             </a:fld>
@@ -2599,7 +2599,7 @@
           <a:bodyPr/>
           <a:lstStyle/>
           <a:p>
-            <a:fld id="{89B7080E-1AC3-43D5-B08E-692FC42A1B13}" type="datetime1">
+            <a:fld id="{AD17EACF-F533-4F8D-8C2F-9949E12F11AC}" type="datetime1">
               <a:rPr lang="en-HK" smtClean="0"/>
               <a:t>27/12/2018</a:t>
             </a:fld>
@@ -2773,7 +2773,7 @@
           <a:bodyPr/>
           <a:lstStyle/>
           <a:p>
-            <a:fld id="{99EBC1D4-5438-4D71-A3C6-E9FAAB70C57F}" type="datetime1">
+            <a:fld id="{62061D2A-62A8-4070-B0D7-95BE932656C5}" type="datetime1">
               <a:rPr lang="en-HK" smtClean="0"/>
               <a:t>27/12/2018</a:t>
             </a:fld>
@@ -3130,7 +3130,7 @@
             </a:lvl1pPr>
           </a:lstStyle>
           <a:p>
-            <a:fld id="{C3A1EDB6-6F24-4AF8-BD0B-1C8DAF8667C3}" type="datetime1">
+            <a:fld id="{AA9800A5-DE8B-49E0-AC38-852BE13F6AAA}" type="datetime1">
               <a:rPr lang="en-HK" smtClean="0"/>
               <a:t>27/12/2018</a:t>
             </a:fld>
@@ -3324,7 +3324,7 @@
           <a:bodyPr/>
           <a:lstStyle/>
           <a:p>
-            <a:fld id="{41AFCB91-0B1F-4274-811C-9A9CED63A79F}" type="datetime1">
+            <a:fld id="{E9F17A02-FF22-4139-BF6E-F1C0431988CA}" type="datetime1">
               <a:rPr lang="en-HK" smtClean="0"/>
               <a:t>27/12/2018</a:t>
             </a:fld>
@@ -3683,7 +3683,7 @@
           <a:bodyPr/>
           <a:lstStyle/>
           <a:p>
-            <a:fld id="{255B4350-5240-4BD9-A4A0-1047D20204EF}" type="datetime1">
+            <a:fld id="{BE7A6B1D-9AE5-40AC-AA3A-ED02676125E0}" type="datetime1">
               <a:rPr lang="en-HK" smtClean="0"/>
               <a:t>27/12/2018</a:t>
             </a:fld>
@@ -3856,7 +3856,7 @@
           <a:bodyPr/>
           <a:lstStyle/>
           <a:p>
-            <a:fld id="{81DB85EE-4296-4097-8324-FF8FD1BCE5F7}" type="datetime1">
+            <a:fld id="{27B11618-5E0A-4D45-B936-46E13C45D7A4}" type="datetime1">
               <a:rPr lang="en-HK" smtClean="0"/>
               <a:t>27/12/2018</a:t>
             </a:fld>
@@ -4115,7 +4115,7 @@
           <a:bodyPr/>
           <a:lstStyle/>
           <a:p>
-            <a:fld id="{D324DA22-5704-4B1F-88DB-DA2C89CE078B}" type="datetime1">
+            <a:fld id="{C33D91C7-F903-422A-9E88-AA430895A4EB}" type="datetime1">
               <a:rPr lang="en-HK" smtClean="0"/>
               <a:t>27/12/2018</a:t>
             </a:fld>
@@ -4369,7 +4369,7 @@
           <a:bodyPr/>
           <a:lstStyle/>
           <a:p>
-            <a:fld id="{FFF936C5-A8C2-454D-A421-1EF5102C323E}" type="datetime1">
+            <a:fld id="{E4EF8449-6741-4CDB-9520-30A6EFB51C31}" type="datetime1">
               <a:rPr lang="en-HK" smtClean="0"/>
               <a:t>27/12/2018</a:t>
             </a:fld>
@@ -4604,7 +4604,7 @@
           <a:bodyPr/>
           <a:lstStyle/>
           <a:p>
-            <a:fld id="{AB79E72E-FCEE-4152-91FC-4FAE9726FD21}" type="datetime1">
+            <a:fld id="{EADA5B78-9CA0-42F3-96F7-1AA1889D8BD3}" type="datetime1">
               <a:rPr lang="en-HK" smtClean="0"/>
               <a:t>27/12/2018</a:t>
             </a:fld>
@@ -4954,7 +4954,7 @@
           <a:bodyPr/>
           <a:lstStyle/>
           <a:p>
-            <a:fld id="{8A80EE7C-95FD-4B8E-84B0-7711B7B4B53A}" type="datetime1">
+            <a:fld id="{26488FA9-210D-4080-88F4-19E1590F8076}" type="datetime1">
               <a:rPr lang="en-HK" smtClean="0"/>
               <a:t>27/12/2018</a:t>
             </a:fld>
@@ -5075,7 +5075,7 @@
           <a:bodyPr/>
           <a:lstStyle/>
           <a:p>
-            <a:fld id="{29FC8297-608B-42D4-B538-3C198027FB68}" type="datetime1">
+            <a:fld id="{E63C8D8A-BDD4-4CF6-BD44-E9B276978374}" type="datetime1">
               <a:rPr lang="en-HK" smtClean="0"/>
               <a:t>27/12/2018</a:t>
             </a:fld>
@@ -5196,7 +5196,7 @@
           <a:bodyPr/>
           <a:lstStyle/>
           <a:p>
-            <a:fld id="{91A98973-C70B-43C6-9079-22963FEB780B}" type="datetime1">
+            <a:fld id="{19ACD463-9BBD-47D8-85A3-6BE807FDFFB6}" type="datetime1">
               <a:rPr lang="en-HK" smtClean="0"/>
               <a:t>27/12/2018</a:t>
             </a:fld>
@@ -5483,7 +5483,7 @@
           <a:bodyPr/>
           <a:lstStyle/>
           <a:p>
-            <a:fld id="{1A5CFBBA-E6A3-49C0-B627-7A93C9AAB3EC}" type="datetime1">
+            <a:fld id="{D5AC6D9B-9D46-4D15-874D-4C6D35E704FB}" type="datetime1">
               <a:rPr lang="en-HK" smtClean="0"/>
               <a:t>27/12/2018</a:t>
             </a:fld>
@@ -5750,7 +5750,7 @@
           <a:bodyPr/>
           <a:lstStyle/>
           <a:p>
-            <a:fld id="{58344E19-CE0F-4A3B-B413-1143668C6429}" type="datetime1">
+            <a:fld id="{5057C64E-2C79-42B5-9F9D-DE69775C4A16}" type="datetime1">
               <a:rPr lang="en-HK" smtClean="0"/>
               <a:t>27/12/2018</a:t>
             </a:fld>
@@ -5967,7 +5967,7 @@
             </a:lvl1pPr>
           </a:lstStyle>
           <a:p>
-            <a:fld id="{D2C30EE2-2944-48AC-99D6-6C802A54B233}" type="datetime1">
+            <a:fld id="{46A130A3-F1C8-4ED8-8DF0-1CF1436EF435}" type="datetime1">
               <a:rPr lang="en-HK" smtClean="0"/>
               <a:t>27/12/2018</a:t>
             </a:fld>
@@ -6078,7 +6078,7 @@
     <p:sldLayoutId id="2147483700" r:id="rId10"/>
     <p:sldLayoutId id="2147483701" r:id="rId11"/>
   </p:sldLayoutIdLst>
-  <p:hf sldNum="0" hdr="0" dt="0"/>
+  <p:hf sldNum="0" hdr="0"/>
   <p:txStyles>
     <p:titleStyle>
       <a:lvl1pPr algn="l" defTabSz="914400" rtl="0" eaLnBrk="1" latinLnBrk="0" hangingPunct="1">
@@ -6574,7 +6574,7 @@
             </a:lvl1pPr>
           </a:lstStyle>
           <a:p>
-            <a:fld id="{C559BEA5-0E12-46D5-8A76-B2AB6DB15F3A}" type="datetime1">
+            <a:fld id="{1224E88F-32D6-47D1-A982-93D0F5C9FC81}" type="datetime1">
               <a:rPr lang="en-HK" smtClean="0"/>
               <a:t>27/12/2018</a:t>
             </a:fld>
@@ -6718,7 +6718,7 @@
     <p:sldLayoutId id="2147483772" r:id="rId10"/>
     <p:sldLayoutId id="2147483773" r:id="rId11"/>
   </p:sldLayoutIdLst>
-  <p:hf sldNum="0" hdr="0" dt="0"/>
+  <p:hf sldNum="0" hdr="0"/>
   <p:txStyles>
     <p:titleStyle>
       <a:lvl1pPr algn="l" defTabSz="914400" rtl="0" eaLnBrk="1" latinLnBrk="0" hangingPunct="1">
@@ -7189,9 +7189,38 @@
           <a:lstStyle/>
           <a:p>
             <a:r>
-              <a:rPr lang="en-HK"/>
+              <a:rPr lang="en-HK" dirty="0"/>
               <a:t>Model Uncertainty sharing - Tom Li</a:t>
             </a:r>
+          </a:p>
+        </p:txBody>
+      </p:sp>
+      <p:sp>
+        <p:nvSpPr>
+          <p:cNvPr id="3" name="Date Placeholder 2">
+            <a:extLst>
+              <a:ext uri="{FF2B5EF4-FFF2-40B4-BE49-F238E27FC236}">
+                <a16:creationId xmlns:a16="http://schemas.microsoft.com/office/drawing/2014/main" id="{F8BFF8D6-15CC-4F4E-9AE1-5C23FA0D0C8D}"/>
+              </a:ext>
+            </a:extLst>
+          </p:cNvPr>
+          <p:cNvSpPr>
+            <a:spLocks noGrp="1"/>
+          </p:cNvSpPr>
+          <p:nvPr>
+            <p:ph type="dt" sz="half" idx="10"/>
+          </p:nvPr>
+        </p:nvSpPr>
+        <p:spPr/>
+        <p:txBody>
+          <a:bodyPr/>
+          <a:lstStyle/>
+          <a:p>
+            <a:fld id="{EEC535C6-0875-4FA0-94CB-5CDBCAD1866F}" type="datetime1">
+              <a:rPr lang="en-HK" smtClean="0"/>
+              <a:t>27/12/2018</a:t>
+            </a:fld>
+            <a:endParaRPr lang="en-HK"/>
           </a:p>
         </p:txBody>
       </p:sp>
@@ -7343,6 +7372,35 @@
           </a:p>
         </p:txBody>
       </p:sp>
+      <p:sp>
+        <p:nvSpPr>
+          <p:cNvPr id="5" name="Date Placeholder 4">
+            <a:extLst>
+              <a:ext uri="{FF2B5EF4-FFF2-40B4-BE49-F238E27FC236}">
+                <a16:creationId xmlns:a16="http://schemas.microsoft.com/office/drawing/2014/main" id="{95A14176-E0D8-41B2-AF08-47CC7DF84169}"/>
+              </a:ext>
+            </a:extLst>
+          </p:cNvPr>
+          <p:cNvSpPr>
+            <a:spLocks noGrp="1"/>
+          </p:cNvSpPr>
+          <p:nvPr>
+            <p:ph type="dt" sz="half" idx="10"/>
+          </p:nvPr>
+        </p:nvSpPr>
+        <p:spPr/>
+        <p:txBody>
+          <a:bodyPr/>
+          <a:lstStyle/>
+          <a:p>
+            <a:fld id="{2E711299-B62D-4FDA-B8BB-EF7847BCEF31}" type="datetime1">
+              <a:rPr lang="en-HK" smtClean="0"/>
+              <a:t>27/12/2018</a:t>
+            </a:fld>
+            <a:endParaRPr lang="en-HK"/>
+          </a:p>
+        </p:txBody>
+      </p:sp>
     </p:spTree>
     <p:extLst>
       <p:ext uri="{BB962C8B-B14F-4D97-AF65-F5344CB8AC3E}">
@@ -7534,6 +7592,35 @@
           </a:p>
         </p:txBody>
       </p:sp>
+      <p:sp>
+        <p:nvSpPr>
+          <p:cNvPr id="5" name="Date Placeholder 4">
+            <a:extLst>
+              <a:ext uri="{FF2B5EF4-FFF2-40B4-BE49-F238E27FC236}">
+                <a16:creationId xmlns:a16="http://schemas.microsoft.com/office/drawing/2014/main" id="{428B3875-7440-49B0-BF16-52850898B25E}"/>
+              </a:ext>
+            </a:extLst>
+          </p:cNvPr>
+          <p:cNvSpPr>
+            <a:spLocks noGrp="1"/>
+          </p:cNvSpPr>
+          <p:nvPr>
+            <p:ph type="dt" sz="half" idx="10"/>
+          </p:nvPr>
+        </p:nvSpPr>
+        <p:spPr/>
+        <p:txBody>
+          <a:bodyPr/>
+          <a:lstStyle/>
+          <a:p>
+            <a:fld id="{1C518A92-AFA2-4A02-8323-A384F44C2841}" type="datetime1">
+              <a:rPr lang="en-HK" smtClean="0"/>
+              <a:t>27/12/2018</a:t>
+            </a:fld>
+            <a:endParaRPr lang="en-HK"/>
+          </a:p>
+        </p:txBody>
+      </p:sp>
     </p:spTree>
     <p:extLst>
       <p:ext uri="{BB962C8B-B14F-4D97-AF65-F5344CB8AC3E}">
@@ -7592,8 +7679,8 @@
           </a:p>
         </p:txBody>
       </p:sp>
-      <mc:AlternateContent xmlns:mc="http://schemas.openxmlformats.org/markup-compatibility/2006">
-        <mc:Choice xmlns:a14="http://schemas.microsoft.com/office/drawing/2010/main" Requires="a14">
+      <mc:AlternateContent xmlns:mc="http://schemas.openxmlformats.org/markup-compatibility/2006" xmlns:a14="http://schemas.microsoft.com/office/drawing/2010/main">
+        <mc:Choice Requires="a14">
           <p:sp>
             <p:nvSpPr>
               <p:cNvPr id="3" name="內容版面配置區 2">
@@ -7871,7 +7958,7 @@
             </p:txBody>
           </p:sp>
         </mc:Choice>
-        <mc:Fallback>
+        <mc:Fallback xmlns="">
           <p:sp>
             <p:nvSpPr>
               <p:cNvPr id="3" name="內容版面配置區 2">
@@ -7996,6 +8083,35 @@
               <a:rPr lang="en-HK"/>
               <a:t>Model Uncertainty sharing - Tom Li</a:t>
             </a:r>
+          </a:p>
+        </p:txBody>
+      </p:sp>
+      <p:sp>
+        <p:nvSpPr>
+          <p:cNvPr id="6" name="Date Placeholder 5">
+            <a:extLst>
+              <a:ext uri="{FF2B5EF4-FFF2-40B4-BE49-F238E27FC236}">
+                <a16:creationId xmlns:a16="http://schemas.microsoft.com/office/drawing/2014/main" id="{DBC7D864-662A-4E34-B915-EDAAF800ACF2}"/>
+              </a:ext>
+            </a:extLst>
+          </p:cNvPr>
+          <p:cNvSpPr>
+            <a:spLocks noGrp="1"/>
+          </p:cNvSpPr>
+          <p:nvPr>
+            <p:ph type="dt" sz="half" idx="10"/>
+          </p:nvPr>
+        </p:nvSpPr>
+        <p:spPr/>
+        <p:txBody>
+          <a:bodyPr/>
+          <a:lstStyle/>
+          <a:p>
+            <a:fld id="{27B3902F-D28B-420C-8889-E0CCC60DDA91}" type="datetime1">
+              <a:rPr lang="en-HK" smtClean="0"/>
+              <a:t>27/12/2018</a:t>
+            </a:fld>
+            <a:endParaRPr lang="en-HK"/>
           </a:p>
         </p:txBody>
       </p:sp>
@@ -8855,6 +8971,35 @@
           </a:p>
         </p:txBody>
       </p:sp>
+      <p:sp>
+        <p:nvSpPr>
+          <p:cNvPr id="8" name="Date Placeholder 7">
+            <a:extLst>
+              <a:ext uri="{FF2B5EF4-FFF2-40B4-BE49-F238E27FC236}">
+                <a16:creationId xmlns:a16="http://schemas.microsoft.com/office/drawing/2014/main" id="{62A3BD33-8080-4A2A-8BA8-2735794BB006}"/>
+              </a:ext>
+            </a:extLst>
+          </p:cNvPr>
+          <p:cNvSpPr>
+            <a:spLocks noGrp="1"/>
+          </p:cNvSpPr>
+          <p:nvPr>
+            <p:ph type="dt" sz="half" idx="10"/>
+          </p:nvPr>
+        </p:nvSpPr>
+        <p:spPr/>
+        <p:txBody>
+          <a:bodyPr/>
+          <a:lstStyle/>
+          <a:p>
+            <a:fld id="{3311459D-EEFD-4D1F-826D-1E85F9FF6DD3}" type="datetime1">
+              <a:rPr lang="en-HK" smtClean="0"/>
+              <a:t>27/12/2018</a:t>
+            </a:fld>
+            <a:endParaRPr lang="en-HK"/>
+          </a:p>
+        </p:txBody>
+      </p:sp>
     </p:spTree>
     <p:extLst>
       <p:ext uri="{BB962C8B-B14F-4D97-AF65-F5344CB8AC3E}">
@@ -9002,6 +9147,35 @@
           </a:p>
         </p:txBody>
       </p:sp>
+      <p:sp>
+        <p:nvSpPr>
+          <p:cNvPr id="5" name="Date Placeholder 4">
+            <a:extLst>
+              <a:ext uri="{FF2B5EF4-FFF2-40B4-BE49-F238E27FC236}">
+                <a16:creationId xmlns:a16="http://schemas.microsoft.com/office/drawing/2014/main" id="{19B13FB7-C967-4D1F-8666-ACF0ADF0EA31}"/>
+              </a:ext>
+            </a:extLst>
+          </p:cNvPr>
+          <p:cNvSpPr>
+            <a:spLocks noGrp="1"/>
+          </p:cNvSpPr>
+          <p:nvPr>
+            <p:ph type="dt" sz="half" idx="10"/>
+          </p:nvPr>
+        </p:nvSpPr>
+        <p:spPr/>
+        <p:txBody>
+          <a:bodyPr/>
+          <a:lstStyle/>
+          <a:p>
+            <a:fld id="{BF4347F7-739B-4C80-9CB6-449DA00FFE2A}" type="datetime1">
+              <a:rPr lang="en-HK" smtClean="0"/>
+              <a:t>27/12/2018</a:t>
+            </a:fld>
+            <a:endParaRPr lang="en-HK"/>
+          </a:p>
+        </p:txBody>
+      </p:sp>
     </p:spTree>
     <p:extLst>
       <p:ext uri="{BB962C8B-B14F-4D97-AF65-F5344CB8AC3E}">
@@ -9189,6 +9363,35 @@
               <a:rPr lang="en-HK"/>
               <a:t>Model Uncertainty sharing - Tom Li</a:t>
             </a:r>
+          </a:p>
+        </p:txBody>
+      </p:sp>
+      <p:sp>
+        <p:nvSpPr>
+          <p:cNvPr id="5" name="Date Placeholder 4">
+            <a:extLst>
+              <a:ext uri="{FF2B5EF4-FFF2-40B4-BE49-F238E27FC236}">
+                <a16:creationId xmlns:a16="http://schemas.microsoft.com/office/drawing/2014/main" id="{B79E1777-7B27-4C49-B46E-23281E68D123}"/>
+              </a:ext>
+            </a:extLst>
+          </p:cNvPr>
+          <p:cNvSpPr>
+            <a:spLocks noGrp="1"/>
+          </p:cNvSpPr>
+          <p:nvPr>
+            <p:ph type="dt" sz="half" idx="10"/>
+          </p:nvPr>
+        </p:nvSpPr>
+        <p:spPr/>
+        <p:txBody>
+          <a:bodyPr/>
+          <a:lstStyle/>
+          <a:p>
+            <a:fld id="{CBF60912-3BF5-4549-9E75-83D4C8E7D629}" type="datetime1">
+              <a:rPr lang="en-HK" smtClean="0"/>
+              <a:t>27/12/2018</a:t>
+            </a:fld>
+            <a:endParaRPr lang="en-HK"/>
           </a:p>
         </p:txBody>
       </p:sp>
@@ -9660,6 +9863,35 @@
               <a:rPr lang="en-HK"/>
               <a:t>Model Uncertainty sharing - Tom Li</a:t>
             </a:r>
+          </a:p>
+        </p:txBody>
+      </p:sp>
+      <p:sp>
+        <p:nvSpPr>
+          <p:cNvPr id="6" name="Date Placeholder 5">
+            <a:extLst>
+              <a:ext uri="{FF2B5EF4-FFF2-40B4-BE49-F238E27FC236}">
+                <a16:creationId xmlns:a16="http://schemas.microsoft.com/office/drawing/2014/main" id="{CB28C380-BD1E-4527-9E50-B612E7ABE87E}"/>
+              </a:ext>
+            </a:extLst>
+          </p:cNvPr>
+          <p:cNvSpPr>
+            <a:spLocks noGrp="1"/>
+          </p:cNvSpPr>
+          <p:nvPr>
+            <p:ph type="dt" sz="half" idx="10"/>
+          </p:nvPr>
+        </p:nvSpPr>
+        <p:spPr/>
+        <p:txBody>
+          <a:bodyPr/>
+          <a:lstStyle/>
+          <a:p>
+            <a:fld id="{58467771-9C99-4146-863F-ECFD1B83C3C9}" type="datetime1">
+              <a:rPr lang="en-HK" smtClean="0"/>
+              <a:t>27/12/2018</a:t>
+            </a:fld>
+            <a:endParaRPr lang="en-HK"/>
           </a:p>
         </p:txBody>
       </p:sp>
@@ -9847,6 +10079,35 @@
           </a:p>
         </p:txBody>
       </p:sp>
+      <p:sp>
+        <p:nvSpPr>
+          <p:cNvPr id="7" name="Date Placeholder 6">
+            <a:extLst>
+              <a:ext uri="{FF2B5EF4-FFF2-40B4-BE49-F238E27FC236}">
+                <a16:creationId xmlns:a16="http://schemas.microsoft.com/office/drawing/2014/main" id="{2FCD8126-FA03-4A1F-93E9-085E0B629A39}"/>
+              </a:ext>
+            </a:extLst>
+          </p:cNvPr>
+          <p:cNvSpPr>
+            <a:spLocks noGrp="1"/>
+          </p:cNvSpPr>
+          <p:nvPr>
+            <p:ph type="dt" sz="half" idx="10"/>
+          </p:nvPr>
+        </p:nvSpPr>
+        <p:spPr/>
+        <p:txBody>
+          <a:bodyPr/>
+          <a:lstStyle/>
+          <a:p>
+            <a:fld id="{862A890B-8400-4EBC-88EC-C78D5F2D5C8D}" type="datetime1">
+              <a:rPr lang="en-HK" smtClean="0"/>
+              <a:t>27/12/2018</a:t>
+            </a:fld>
+            <a:endParaRPr lang="en-HK"/>
+          </a:p>
+        </p:txBody>
+      </p:sp>
     </p:spTree>
     <p:extLst>
       <p:ext uri="{BB962C8B-B14F-4D97-AF65-F5344CB8AC3E}">
@@ -9972,6 +10233,35 @@
               <a:rPr lang="en-HK"/>
               <a:t>Model Uncertainty sharing - Tom Li</a:t>
             </a:r>
+          </a:p>
+        </p:txBody>
+      </p:sp>
+      <p:sp>
+        <p:nvSpPr>
+          <p:cNvPr id="5" name="Date Placeholder 4">
+            <a:extLst>
+              <a:ext uri="{FF2B5EF4-FFF2-40B4-BE49-F238E27FC236}">
+                <a16:creationId xmlns:a16="http://schemas.microsoft.com/office/drawing/2014/main" id="{976840EC-5DAD-43B4-8096-9DCE355FAC2A}"/>
+              </a:ext>
+            </a:extLst>
+          </p:cNvPr>
+          <p:cNvSpPr>
+            <a:spLocks noGrp="1"/>
+          </p:cNvSpPr>
+          <p:nvPr>
+            <p:ph type="dt" sz="half" idx="10"/>
+          </p:nvPr>
+        </p:nvSpPr>
+        <p:spPr/>
+        <p:txBody>
+          <a:bodyPr/>
+          <a:lstStyle/>
+          <a:p>
+            <a:fld id="{10C2AC7E-B455-417E-AC2C-63A0978B57E8}" type="datetime1">
+              <a:rPr lang="en-HK" smtClean="0"/>
+              <a:t>27/12/2018</a:t>
+            </a:fld>
+            <a:endParaRPr lang="en-HK"/>
           </a:p>
         </p:txBody>
       </p:sp>
